--- a/In Memory Data Grid Discussion.pptx
+++ b/In Memory Data Grid Discussion.pptx
@@ -10,11 +10,15 @@
     <p:sldId id="258" r:id="rId4"/>
     <p:sldId id="261" r:id="rId5"/>
     <p:sldId id="262" r:id="rId6"/>
-    <p:sldId id="263" r:id="rId7"/>
-    <p:sldId id="264" r:id="rId8"/>
-    <p:sldId id="265" r:id="rId9"/>
-    <p:sldId id="259" r:id="rId10"/>
-    <p:sldId id="260" r:id="rId11"/>
+    <p:sldId id="266" r:id="rId7"/>
+    <p:sldId id="267" r:id="rId8"/>
+    <p:sldId id="268" r:id="rId9"/>
+    <p:sldId id="269" r:id="rId10"/>
+    <p:sldId id="263" r:id="rId11"/>
+    <p:sldId id="264" r:id="rId12"/>
+    <p:sldId id="265" r:id="rId13"/>
+    <p:sldId id="259" r:id="rId14"/>
+    <p:sldId id="260" r:id="rId15"/>
   </p:sldIdLst>
   <p:sldSz cx="9144000" cy="6858000" type="screen4x3"/>
   <p:notesSz cx="6858000" cy="9144000"/>
@@ -3520,6 +3524,693 @@
       </p:grpSpPr>
       <p:sp>
         <p:nvSpPr>
+          <p:cNvPr id="8194" name="Rectangle 2"/>
+          <p:cNvSpPr>
+            <a:spLocks noGrp="1" noChangeArrowheads="1"/>
+          </p:cNvSpPr>
+          <p:nvPr>
+            <p:ph type="title"/>
+          </p:nvPr>
+        </p:nvSpPr>
+        <p:spPr/>
+        <p:txBody>
+          <a:bodyPr/>
+          <a:lstStyle/>
+          <a:p>
+            <a:r>
+              <a:rPr lang="en-US" dirty="0" err="1" smtClean="0"/>
+              <a:t>Akka</a:t>
+            </a:r>
+            <a:r>
+              <a:rPr lang="en-US" dirty="0" smtClean="0"/>
+              <a:t> </a:t>
+            </a:r>
+            <a:r>
+              <a:rPr lang="en-US" dirty="0" smtClean="0"/>
+              <a:t>– </a:t>
+            </a:r>
+            <a:r>
+              <a:rPr lang="en-US" dirty="0" smtClean="0"/>
+              <a:t>T</a:t>
+            </a:r>
+            <a:r>
+              <a:rPr lang="en-US" dirty="0" smtClean="0"/>
+              <a:t>he Good, the Bad and the </a:t>
+            </a:r>
+            <a:r>
+              <a:rPr lang="en-US" dirty="0" smtClean="0"/>
+              <a:t>U</a:t>
+            </a:r>
+            <a:r>
+              <a:rPr lang="en-US" dirty="0" smtClean="0"/>
+              <a:t>gly</a:t>
+            </a:r>
+            <a:endParaRPr lang="en-US" dirty="0" smtClean="0"/>
+          </a:p>
+        </p:txBody>
+      </p:sp>
+      <p:sp>
+        <p:nvSpPr>
+          <p:cNvPr id="6" name="TextBox 5"/>
+          <p:cNvSpPr txBox="1"/>
+          <p:nvPr/>
+        </p:nvSpPr>
+        <p:spPr>
+          <a:xfrm>
+            <a:off x="685800" y="1524000"/>
+            <a:ext cx="1905000" cy="1569660"/>
+          </a:xfrm>
+          <a:prstGeom prst="rect">
+            <a:avLst/>
+          </a:prstGeom>
+          <a:noFill/>
+        </p:spPr>
+        <p:txBody>
+          <a:bodyPr>
+            <a:spAutoFit/>
+          </a:bodyPr>
+          <a:lstStyle/>
+          <a:p>
+            <a:pPr>
+              <a:defRPr/>
+            </a:pPr>
+            <a:r>
+              <a:rPr lang="en-US" sz="2400" dirty="0" smtClean="0">
+                <a:solidFill>
+                  <a:schemeClr val="bg2">
+                    <a:lumMod val="75000"/>
+                  </a:schemeClr>
+                </a:solidFill>
+              </a:rPr>
+              <a:t>Mature, good documentation</a:t>
+            </a:r>
+            <a:endParaRPr lang="en-US" sz="2400" dirty="0">
+              <a:solidFill>
+                <a:schemeClr val="bg2">
+                  <a:lumMod val="75000"/>
+                </a:schemeClr>
+              </a:solidFill>
+            </a:endParaRPr>
+          </a:p>
+        </p:txBody>
+      </p:sp>
+      <p:sp>
+        <p:nvSpPr>
+          <p:cNvPr id="5" name="TextBox 4"/>
+          <p:cNvSpPr txBox="1"/>
+          <p:nvPr/>
+        </p:nvSpPr>
+        <p:spPr>
+          <a:xfrm>
+            <a:off x="2895600" y="1600200"/>
+            <a:ext cx="1905000" cy="1938992"/>
+          </a:xfrm>
+          <a:prstGeom prst="rect">
+            <a:avLst/>
+          </a:prstGeom>
+          <a:noFill/>
+        </p:spPr>
+        <p:txBody>
+          <a:bodyPr>
+            <a:spAutoFit/>
+          </a:bodyPr>
+          <a:lstStyle/>
+          <a:p>
+            <a:pPr>
+              <a:defRPr/>
+            </a:pPr>
+            <a:r>
+              <a:rPr lang="en-US" sz="2400" dirty="0" smtClean="0">
+                <a:solidFill>
+                  <a:schemeClr val="bg2">
+                    <a:lumMod val="75000"/>
+                  </a:schemeClr>
+                </a:solidFill>
+              </a:rPr>
+              <a:t>Not really design for Java as a fundamental </a:t>
+            </a:r>
+            <a:r>
+              <a:rPr lang="en-US" sz="2400" dirty="0" err="1" smtClean="0">
+                <a:solidFill>
+                  <a:schemeClr val="bg2">
+                    <a:lumMod val="75000"/>
+                  </a:schemeClr>
+                </a:solidFill>
+              </a:rPr>
+              <a:t>lang</a:t>
+            </a:r>
+            <a:r>
+              <a:rPr lang="en-US" sz="2400" dirty="0" smtClean="0">
+                <a:solidFill>
+                  <a:schemeClr val="bg2">
+                    <a:lumMod val="75000"/>
+                  </a:schemeClr>
+                </a:solidFill>
+              </a:rPr>
+              <a:t> in mind</a:t>
+            </a:r>
+            <a:endParaRPr lang="en-US" sz="2400" dirty="0">
+              <a:solidFill>
+                <a:schemeClr val="bg2">
+                  <a:lumMod val="75000"/>
+                </a:schemeClr>
+              </a:solidFill>
+            </a:endParaRPr>
+          </a:p>
+        </p:txBody>
+      </p:sp>
+      <p:sp>
+        <p:nvSpPr>
+          <p:cNvPr id="7" name="TextBox 6"/>
+          <p:cNvSpPr txBox="1"/>
+          <p:nvPr/>
+        </p:nvSpPr>
+        <p:spPr>
+          <a:xfrm>
+            <a:off x="6096000" y="1447800"/>
+            <a:ext cx="1905000" cy="3231654"/>
+          </a:xfrm>
+          <a:prstGeom prst="rect">
+            <a:avLst/>
+          </a:prstGeom>
+          <a:noFill/>
+        </p:spPr>
+        <p:txBody>
+          <a:bodyPr>
+            <a:spAutoFit/>
+          </a:bodyPr>
+          <a:lstStyle/>
+          <a:p>
+            <a:pPr>
+              <a:defRPr/>
+            </a:pPr>
+            <a:r>
+              <a:rPr lang="en-US" sz="2400" dirty="0" smtClean="0">
+                <a:solidFill>
+                  <a:schemeClr val="bg2">
+                    <a:lumMod val="75000"/>
+                  </a:schemeClr>
+                </a:solidFill>
+              </a:rPr>
+              <a:t>Paddling </a:t>
+            </a:r>
+            <a:r>
+              <a:rPr lang="en-US" sz="2400" dirty="0">
+                <a:solidFill>
+                  <a:schemeClr val="bg2">
+                    <a:lumMod val="75000"/>
+                  </a:schemeClr>
+                </a:solidFill>
+              </a:rPr>
+              <a:t>their ware such as installing their whole stack</a:t>
+            </a:r>
+          </a:p>
+          <a:p>
+            <a:pPr>
+              <a:defRPr/>
+            </a:pPr>
+            <a:r>
+              <a:rPr lang="en-US" sz="2400" dirty="0" smtClean="0">
+                <a:solidFill>
+                  <a:schemeClr val="bg2">
+                    <a:lumMod val="75000"/>
+                  </a:schemeClr>
+                </a:solidFill>
+              </a:rPr>
+              <a:t>Clumsy tutorial</a:t>
+            </a:r>
+            <a:endParaRPr lang="en-US" sz="2400" dirty="0">
+              <a:solidFill>
+                <a:schemeClr val="bg2">
+                  <a:lumMod val="75000"/>
+                </a:schemeClr>
+              </a:solidFill>
+            </a:endParaRPr>
+          </a:p>
+        </p:txBody>
+      </p:sp>
+    </p:spTree>
+  </p:cSld>
+  <p:clrMapOvr>
+    <a:masterClrMapping/>
+  </p:clrMapOvr>
+  <p:transition>
+    <p:wipe dir="r"/>
+  </p:transition>
+  <p:timing>
+    <p:tnLst>
+      <p:par>
+        <p:cTn id="1" dur="indefinite" restart="never" nodeType="tmRoot"/>
+      </p:par>
+    </p:tnLst>
+  </p:timing>
+</p:sld>
+</file>
+
+<file path=ppt/slides/slide11.xml><?xml version="1.0" encoding="utf-8"?>
+<p:sld xmlns:a="http://schemas.openxmlformats.org/drawingml/2006/main" xmlns:r="http://schemas.openxmlformats.org/officeDocument/2006/relationships" xmlns:p="http://schemas.openxmlformats.org/presentationml/2006/main">
+  <p:cSld>
+    <p:spTree>
+      <p:nvGrpSpPr>
+        <p:cNvPr id="1" name=""/>
+        <p:cNvGrpSpPr/>
+        <p:nvPr/>
+      </p:nvGrpSpPr>
+      <p:grpSpPr>
+        <a:xfrm>
+          <a:off x="0" y="0"/>
+          <a:ext cx="0" cy="0"/>
+          <a:chOff x="0" y="0"/>
+          <a:chExt cx="0" cy="0"/>
+        </a:xfrm>
+      </p:grpSpPr>
+      <p:sp>
+        <p:nvSpPr>
+          <p:cNvPr id="9218" name="Rectangle 2"/>
+          <p:cNvSpPr>
+            <a:spLocks noGrp="1" noChangeArrowheads="1"/>
+          </p:cNvSpPr>
+          <p:nvPr>
+            <p:ph type="title"/>
+          </p:nvPr>
+        </p:nvSpPr>
+        <p:spPr/>
+        <p:txBody>
+          <a:bodyPr/>
+          <a:lstStyle/>
+          <a:p>
+            <a:r>
+              <a:rPr lang="en-US" dirty="0" smtClean="0"/>
+              <a:t>Scenarios</a:t>
+            </a:r>
+            <a:endParaRPr lang="en-US" dirty="0" smtClean="0"/>
+          </a:p>
+        </p:txBody>
+      </p:sp>
+      <p:sp>
+        <p:nvSpPr>
+          <p:cNvPr id="6" name="TextBox 5"/>
+          <p:cNvSpPr txBox="1"/>
+          <p:nvPr/>
+        </p:nvSpPr>
+        <p:spPr>
+          <a:xfrm>
+            <a:off x="685800" y="1524000"/>
+            <a:ext cx="7696200" cy="1384995"/>
+          </a:xfrm>
+          <a:prstGeom prst="rect">
+            <a:avLst/>
+          </a:prstGeom>
+          <a:noFill/>
+        </p:spPr>
+        <p:txBody>
+          <a:bodyPr wrap="square">
+            <a:spAutoFit/>
+          </a:bodyPr>
+          <a:lstStyle/>
+          <a:p>
+            <a:pPr>
+              <a:buFont typeface="Arial" pitchFamily="34" charset="0"/>
+              <a:buChar char="•"/>
+              <a:defRPr/>
+            </a:pPr>
+            <a:r>
+              <a:rPr lang="en-US" sz="2400" dirty="0" smtClean="0">
+                <a:solidFill>
+                  <a:schemeClr val="bg2">
+                    <a:lumMod val="75000"/>
+                  </a:schemeClr>
+                </a:solidFill>
+              </a:rPr>
+              <a:t> Computational intensive – Monte Carlo Simulation for Option TV </a:t>
+            </a:r>
+          </a:p>
+          <a:p>
+            <a:pPr>
+              <a:buFont typeface="Arial" pitchFamily="34" charset="0"/>
+              <a:buChar char="•"/>
+              <a:defRPr/>
+            </a:pPr>
+            <a:r>
+              <a:rPr lang="en-US" sz="2400" dirty="0">
+                <a:solidFill>
+                  <a:schemeClr val="bg2">
+                    <a:lumMod val="75000"/>
+                  </a:schemeClr>
+                </a:solidFill>
+              </a:rPr>
+              <a:t> </a:t>
+            </a:r>
+            <a:r>
+              <a:rPr lang="en-US" sz="2400" dirty="0" smtClean="0">
+                <a:solidFill>
+                  <a:schemeClr val="bg2">
+                    <a:lumMod val="75000"/>
+                  </a:schemeClr>
+                </a:solidFill>
+              </a:rPr>
+              <a:t>I/O Intensive - ???</a:t>
+            </a:r>
+            <a:endParaRPr lang="en-US" sz="2400" dirty="0">
+              <a:solidFill>
+                <a:schemeClr val="bg2">
+                  <a:lumMod val="75000"/>
+                </a:schemeClr>
+              </a:solidFill>
+            </a:endParaRPr>
+          </a:p>
+        </p:txBody>
+      </p:sp>
+    </p:spTree>
+  </p:cSld>
+  <p:clrMapOvr>
+    <a:masterClrMapping/>
+  </p:clrMapOvr>
+  <p:transition>
+    <p:wipe dir="r"/>
+  </p:transition>
+  <p:timing>
+    <p:tnLst>
+      <p:par>
+        <p:cTn id="1" dur="indefinite" restart="never" nodeType="tmRoot"/>
+      </p:par>
+    </p:tnLst>
+  </p:timing>
+</p:sld>
+</file>
+
+<file path=ppt/slides/slide12.xml><?xml version="1.0" encoding="utf-8"?>
+<p:sld xmlns:a="http://schemas.openxmlformats.org/drawingml/2006/main" xmlns:r="http://schemas.openxmlformats.org/officeDocument/2006/relationships" xmlns:p="http://schemas.openxmlformats.org/presentationml/2006/main">
+  <p:cSld>
+    <p:spTree>
+      <p:nvGrpSpPr>
+        <p:cNvPr id="1" name=""/>
+        <p:cNvGrpSpPr/>
+        <p:nvPr/>
+      </p:nvGrpSpPr>
+      <p:grpSpPr>
+        <a:xfrm>
+          <a:off x="0" y="0"/>
+          <a:ext cx="0" cy="0"/>
+          <a:chOff x="0" y="0"/>
+          <a:chExt cx="0" cy="0"/>
+        </a:xfrm>
+      </p:grpSpPr>
+      <p:sp>
+        <p:nvSpPr>
+          <p:cNvPr id="9218" name="Rectangle 2"/>
+          <p:cNvSpPr>
+            <a:spLocks noGrp="1" noChangeArrowheads="1"/>
+          </p:cNvSpPr>
+          <p:nvPr>
+            <p:ph type="title"/>
+          </p:nvPr>
+        </p:nvSpPr>
+        <p:spPr/>
+        <p:txBody>
+          <a:bodyPr/>
+          <a:lstStyle/>
+          <a:p>
+            <a:r>
+              <a:rPr lang="en-US" dirty="0" smtClean="0"/>
+              <a:t>Result discussion</a:t>
+            </a:r>
+            <a:endParaRPr lang="en-US" dirty="0" smtClean="0"/>
+          </a:p>
+        </p:txBody>
+      </p:sp>
+      <p:sp>
+        <p:nvSpPr>
+          <p:cNvPr id="6" name="TextBox 5"/>
+          <p:cNvSpPr txBox="1"/>
+          <p:nvPr/>
+        </p:nvSpPr>
+        <p:spPr>
+          <a:xfrm>
+            <a:off x="685800" y="1524000"/>
+            <a:ext cx="7696200" cy="1569660"/>
+          </a:xfrm>
+          <a:prstGeom prst="rect">
+            <a:avLst/>
+          </a:prstGeom>
+          <a:noFill/>
+        </p:spPr>
+        <p:txBody>
+          <a:bodyPr wrap="square">
+            <a:spAutoFit/>
+          </a:bodyPr>
+          <a:lstStyle/>
+          <a:p>
+            <a:pPr>
+              <a:buFont typeface="Arial" pitchFamily="34" charset="0"/>
+              <a:buChar char="•"/>
+              <a:defRPr/>
+            </a:pPr>
+            <a:r>
+              <a:rPr lang="en-US" sz="2400" dirty="0" smtClean="0">
+                <a:solidFill>
+                  <a:schemeClr val="bg2">
+                    <a:lumMod val="75000"/>
+                  </a:schemeClr>
+                </a:solidFill>
+              </a:rPr>
+              <a:t> Scale</a:t>
+            </a:r>
+          </a:p>
+          <a:p>
+            <a:pPr>
+              <a:buFont typeface="Arial" pitchFamily="34" charset="0"/>
+              <a:buChar char="•"/>
+              <a:defRPr/>
+            </a:pPr>
+            <a:r>
+              <a:rPr lang="en-US" sz="2400" dirty="0">
+                <a:solidFill>
+                  <a:schemeClr val="bg2">
+                    <a:lumMod val="75000"/>
+                  </a:schemeClr>
+                </a:solidFill>
+              </a:rPr>
+              <a:t> </a:t>
+            </a:r>
+            <a:r>
+              <a:rPr lang="en-US" sz="2400" dirty="0" smtClean="0">
+                <a:solidFill>
+                  <a:schemeClr val="bg2">
+                    <a:lumMod val="75000"/>
+                  </a:schemeClr>
+                </a:solidFill>
+              </a:rPr>
+              <a:t>code comparison</a:t>
+            </a:r>
+          </a:p>
+          <a:p>
+            <a:pPr>
+              <a:buFont typeface="Arial" pitchFamily="34" charset="0"/>
+              <a:buChar char="•"/>
+              <a:defRPr/>
+            </a:pPr>
+            <a:r>
+              <a:rPr lang="en-US" sz="2400" dirty="0">
+                <a:solidFill>
+                  <a:schemeClr val="bg2">
+                    <a:lumMod val="75000"/>
+                  </a:schemeClr>
+                </a:solidFill>
+              </a:rPr>
+              <a:t> </a:t>
+            </a:r>
+          </a:p>
+        </p:txBody>
+      </p:sp>
+    </p:spTree>
+  </p:cSld>
+  <p:clrMapOvr>
+    <a:masterClrMapping/>
+  </p:clrMapOvr>
+  <p:transition>
+    <p:wipe dir="r"/>
+  </p:transition>
+  <p:timing>
+    <p:tnLst>
+      <p:par>
+        <p:cTn id="1" dur="indefinite" restart="never" nodeType="tmRoot"/>
+      </p:par>
+    </p:tnLst>
+  </p:timing>
+</p:sld>
+</file>
+
+<file path=ppt/slides/slide13.xml><?xml version="1.0" encoding="utf-8"?>
+<p:sld xmlns:a="http://schemas.openxmlformats.org/drawingml/2006/main" xmlns:r="http://schemas.openxmlformats.org/officeDocument/2006/relationships" xmlns:p="http://schemas.openxmlformats.org/presentationml/2006/main">
+  <p:cSld>
+    <p:spTree>
+      <p:nvGrpSpPr>
+        <p:cNvPr id="1" name=""/>
+        <p:cNvGrpSpPr/>
+        <p:nvPr/>
+      </p:nvGrpSpPr>
+      <p:grpSpPr>
+        <a:xfrm>
+          <a:off x="0" y="0"/>
+          <a:ext cx="0" cy="0"/>
+          <a:chOff x="0" y="0"/>
+          <a:chExt cx="0" cy="0"/>
+        </a:xfrm>
+      </p:grpSpPr>
+      <p:sp>
+        <p:nvSpPr>
+          <p:cNvPr id="10242" name="Rectangle 2"/>
+          <p:cNvSpPr>
+            <a:spLocks noGrp="1" noChangeArrowheads="1"/>
+          </p:cNvSpPr>
+          <p:nvPr>
+            <p:ph type="title"/>
+          </p:nvPr>
+        </p:nvSpPr>
+        <p:spPr/>
+        <p:txBody>
+          <a:bodyPr/>
+          <a:lstStyle/>
+          <a:p>
+            <a:r>
+              <a:rPr lang="en-US" dirty="0" smtClean="0"/>
+              <a:t>What you need to be aware of?</a:t>
+            </a:r>
+          </a:p>
+        </p:txBody>
+      </p:sp>
+      <p:sp>
+        <p:nvSpPr>
+          <p:cNvPr id="10243" name="Rectangle 3"/>
+          <p:cNvSpPr>
+            <a:spLocks noGrp="1" noChangeArrowheads="1"/>
+          </p:cNvSpPr>
+          <p:nvPr>
+            <p:ph type="body" idx="1"/>
+          </p:nvPr>
+        </p:nvSpPr>
+        <p:spPr/>
+        <p:txBody>
+          <a:bodyPr/>
+          <a:lstStyle/>
+          <a:p>
+            <a:pPr marL="0" indent="0">
+              <a:buFont typeface="Arial" charset="0"/>
+              <a:buChar char="•"/>
+            </a:pPr>
+            <a:r>
+              <a:rPr lang="en-US" sz="2400" dirty="0" smtClean="0"/>
+              <a:t> Test the scalability of different vendors</a:t>
+            </a:r>
+          </a:p>
+          <a:p>
+            <a:pPr marL="0" indent="0">
+              <a:buFont typeface="Arial" charset="0"/>
+              <a:buChar char="•"/>
+            </a:pPr>
+            <a:endParaRPr lang="en-US" sz="2400" dirty="0" smtClean="0"/>
+          </a:p>
+          <a:p>
+            <a:pPr marL="0" indent="0">
+              <a:buFont typeface="Arial" charset="0"/>
+              <a:buChar char="•"/>
+            </a:pPr>
+            <a:r>
+              <a:rPr lang="en-US" sz="2400" dirty="0" smtClean="0"/>
+              <a:t> What hardware, software and language requirements are</a:t>
+            </a:r>
+          </a:p>
+          <a:p>
+            <a:pPr marL="0" indent="0">
+              <a:buFont typeface="Arial" charset="0"/>
+              <a:buChar char="•"/>
+            </a:pPr>
+            <a:endParaRPr lang="en-US" sz="2400" dirty="0" smtClean="0"/>
+          </a:p>
+          <a:p>
+            <a:pPr marL="0" indent="0">
+              <a:buFont typeface="Arial" charset="0"/>
+              <a:buChar char="•"/>
+            </a:pPr>
+            <a:r>
+              <a:rPr lang="en-US" sz="2400" dirty="0" smtClean="0"/>
+              <a:t> How do they perform in WAN/LAN when someone kick the network cable and separated the cluster?</a:t>
+            </a:r>
+          </a:p>
+          <a:p>
+            <a:pPr marL="0" indent="0">
+              <a:buFont typeface="Arial" charset="0"/>
+              <a:buChar char="•"/>
+            </a:pPr>
+            <a:endParaRPr lang="en-US" sz="2400" dirty="0" smtClean="0"/>
+          </a:p>
+          <a:p>
+            <a:pPr marL="0" indent="0">
+              <a:buFont typeface="Arial" charset="0"/>
+              <a:buChar char="•"/>
+            </a:pPr>
+            <a:r>
+              <a:rPr lang="en-US" sz="2400" dirty="0" smtClean="0"/>
+              <a:t> Requirements for object to be store in the grid</a:t>
+            </a:r>
+          </a:p>
+          <a:p>
+            <a:pPr marL="0" indent="0">
+              <a:buFont typeface="Arial" charset="0"/>
+              <a:buChar char="•"/>
+            </a:pPr>
+            <a:endParaRPr lang="en-US" sz="2400" dirty="0" smtClean="0"/>
+          </a:p>
+          <a:p>
+            <a:pPr marL="0" indent="0">
+              <a:buFont typeface="Arial" charset="0"/>
+              <a:buChar char="•"/>
+            </a:pPr>
+            <a:r>
+              <a:rPr lang="en-US" sz="2400" dirty="0" smtClean="0"/>
+              <a:t> Supporting frameworks such as analytics,  monitoring, transaction management and events processing</a:t>
+            </a:r>
+          </a:p>
+        </p:txBody>
+      </p:sp>
+    </p:spTree>
+  </p:cSld>
+  <p:clrMapOvr>
+    <a:masterClrMapping/>
+  </p:clrMapOvr>
+  <p:transition>
+    <p:wipe dir="r"/>
+  </p:transition>
+  <p:timing>
+    <p:tnLst>
+      <p:par>
+        <p:cTn id="1" dur="indefinite" restart="never" nodeType="tmRoot"/>
+      </p:par>
+    </p:tnLst>
+  </p:timing>
+</p:sld>
+</file>
+
+<file path=ppt/slides/slide14.xml><?xml version="1.0" encoding="utf-8"?>
+<p:sld xmlns:a="http://schemas.openxmlformats.org/drawingml/2006/main" xmlns:r="http://schemas.openxmlformats.org/officeDocument/2006/relationships" xmlns:p="http://schemas.openxmlformats.org/presentationml/2006/main">
+  <p:cSld>
+    <p:spTree>
+      <p:nvGrpSpPr>
+        <p:cNvPr id="1" name=""/>
+        <p:cNvGrpSpPr/>
+        <p:nvPr/>
+      </p:nvGrpSpPr>
+      <p:grpSpPr>
+        <a:xfrm>
+          <a:off x="0" y="0"/>
+          <a:ext cx="0" cy="0"/>
+          <a:chOff x="0" y="0"/>
+          <a:chExt cx="0" cy="0"/>
+        </a:xfrm>
+      </p:grpSpPr>
+      <p:sp>
+        <p:nvSpPr>
           <p:cNvPr id="11266" name="Rectangle 2"/>
           <p:cNvSpPr>
             <a:spLocks noGrp="1" noChangeArrowheads="1"/>
@@ -4154,7 +4845,7 @@
       </p:grpSpPr>
       <p:sp>
         <p:nvSpPr>
-          <p:cNvPr id="8194" name="Rectangle 2"/>
+          <p:cNvPr id="7170" name="Rectangle 2"/>
           <p:cNvSpPr>
             <a:spLocks noGrp="1" noChangeArrowheads="1"/>
           </p:cNvSpPr>
@@ -4168,32 +4859,8 @@
           <a:lstStyle/>
           <a:p>
             <a:r>
-              <a:rPr lang="en-US" dirty="0" err="1" smtClean="0"/>
-              <a:t>Akka</a:t>
-            </a:r>
-            <a:r>
               <a:rPr lang="en-US" dirty="0" smtClean="0"/>
-              <a:t> </a:t>
-            </a:r>
-            <a:r>
-              <a:rPr lang="en-US" dirty="0" smtClean="0"/>
-              <a:t>– </a:t>
-            </a:r>
-            <a:r>
-              <a:rPr lang="en-US" dirty="0" smtClean="0"/>
-              <a:t>T</a:t>
-            </a:r>
-            <a:r>
-              <a:rPr lang="en-US" dirty="0" smtClean="0"/>
-              <a:t>he Good, the Bad and the </a:t>
-            </a:r>
-            <a:r>
-              <a:rPr lang="en-US" dirty="0" smtClean="0"/>
-              <a:t>U</a:t>
-            </a:r>
-            <a:r>
-              <a:rPr lang="en-US" dirty="0" smtClean="0"/>
-              <a:t>gly</a:t>
+              <a:t>Actor Best Practice</a:t>
             </a:r>
             <a:endParaRPr lang="en-US" dirty="0" smtClean="0"/>
           </a:p>
@@ -4201,14 +4868,14 @@
       </p:sp>
       <p:sp>
         <p:nvSpPr>
-          <p:cNvPr id="6" name="TextBox 5"/>
+          <p:cNvPr id="3" name="TextBox 2"/>
           <p:cNvSpPr txBox="1"/>
           <p:nvPr/>
         </p:nvSpPr>
         <p:spPr>
           <a:xfrm>
-            <a:off x="685800" y="1524000"/>
-            <a:ext cx="1905000" cy="1569660"/>
+            <a:off x="609600" y="1295400"/>
+            <a:ext cx="8077200" cy="4593565"/>
           </a:xfrm>
           <a:prstGeom prst="rect">
             <a:avLst/>
@@ -4216,44 +4883,86 @@
           <a:noFill/>
         </p:spPr>
         <p:txBody>
-          <a:bodyPr>
+          <a:bodyPr wrap="square" rtlCol="0">
             <a:spAutoFit/>
           </a:bodyPr>
           <a:lstStyle/>
           <a:p>
             <a:pPr>
-              <a:defRPr/>
-            </a:pPr>
-            <a:r>
-              <a:rPr lang="en-US" sz="2400" dirty="0" smtClean="0">
-                <a:solidFill>
-                  <a:schemeClr val="bg2">
-                    <a:lumMod val="75000"/>
-                  </a:schemeClr>
-                </a:solidFill>
-              </a:rPr>
-              <a:t>Mature, good documentation</a:t>
-            </a:r>
-            <a:endParaRPr lang="en-US" sz="2400" dirty="0">
-              <a:solidFill>
-                <a:schemeClr val="bg2">
-                  <a:lumMod val="75000"/>
-                </a:schemeClr>
-              </a:solidFill>
-            </a:endParaRPr>
-          </a:p>
-        </p:txBody>
-      </p:sp>
-      <p:sp>
-        <p:nvSpPr>
-          <p:cNvPr id="5" name="TextBox 4"/>
+              <a:buFont typeface="Arial" pitchFamily="34" charset="0"/>
+              <a:buChar char="•"/>
+            </a:pPr>
+            <a:r>
+              <a:rPr lang="en-US" dirty="0" smtClean="0"/>
+              <a:t>  Actors should be like nice co-workers: do their job efficiently without bothering everyone else needlessly and avoid hogging resources. Translated to programming this means to process events and generate responses (or more requests) in an event-driven manner. Actors should not block (i.e. passively wait while occupying a Thread) on some external entity—which might be a lock, a network socket, etc.—unless it is unavoidable; in the latter case see below</a:t>
+            </a:r>
+          </a:p>
+          <a:p>
+            <a:pPr>
+              <a:buFont typeface="Arial" pitchFamily="34" charset="0"/>
+              <a:buChar char="•"/>
+            </a:pPr>
+            <a:r>
+              <a:rPr lang="en-US" dirty="0"/>
+              <a:t> </a:t>
+            </a:r>
+            <a:r>
+              <a:rPr lang="en-US" dirty="0" smtClean="0"/>
+              <a:t>Do not pass mutable objects between actors. In order to ensure that, prefer immutable messages. If the encapsulation of actors is broken by exposing their mutable state to the outside, you are back in normal Java concurrency land with all the drawbacks.</a:t>
+            </a:r>
+          </a:p>
+          <a:p>
+            <a:pPr>
+              <a:buFont typeface="Arial" pitchFamily="34" charset="0"/>
+              <a:buChar char="•"/>
+            </a:pPr>
+            <a:r>
+              <a:rPr lang="en-US" dirty="0" smtClean="0"/>
+              <a:t> Actors are made to be containers for behavior and state, embracing this means to not routinely send behavior within messages (which may be tempting using </a:t>
+            </a:r>
+            <a:r>
+              <a:rPr lang="en-US" dirty="0" err="1" smtClean="0"/>
+              <a:t>Scala</a:t>
+            </a:r>
+            <a:r>
+              <a:rPr lang="en-US" dirty="0" smtClean="0"/>
+              <a:t> closures). One of the risks is to accidentally share mutable state between actors, and this violation of the actor model unfortunately breaks all the properties which make programming in actors such a nice experience.</a:t>
+            </a:r>
+          </a:p>
+          <a:p>
+            <a:pPr>
+              <a:buFont typeface="Arial" pitchFamily="34" charset="0"/>
+              <a:buChar char="•"/>
+            </a:pPr>
+            <a:r>
+              <a:rPr lang="en-US" dirty="0"/>
+              <a:t> </a:t>
+            </a:r>
+            <a:r>
+              <a:rPr lang="en-US" dirty="0" smtClean="0"/>
+              <a:t>Top-level actors are the innermost part of your Error Kernel, so create them sparingly and prefer truly hierarchical systems. This has benefits </a:t>
+            </a:r>
+            <a:r>
+              <a:rPr lang="en-US" dirty="0" err="1" smtClean="0"/>
+              <a:t>wrt</a:t>
+            </a:r>
+            <a:r>
+              <a:rPr lang="en-US" dirty="0" smtClean="0"/>
+              <a:t>. fault-handling (both considering the granularity of configuration and the performance) and it also reduces the number of blocking calls made, since the creation of top-level actors involves synchronous messaging.</a:t>
+            </a:r>
+          </a:p>
+        </p:txBody>
+      </p:sp>
+      <p:sp>
+        <p:nvSpPr>
+          <p:cNvPr id="4" name="TextBox 3"/>
           <p:cNvSpPr txBox="1"/>
           <p:nvPr/>
         </p:nvSpPr>
         <p:spPr>
           <a:xfrm>
-            <a:off x="2895600" y="1600200"/>
-            <a:ext cx="1905000" cy="1938992"/>
+            <a:off x="5334000" y="6019800"/>
+            <a:ext cx="2959465" cy="323165"/>
           </a:xfrm>
           <a:prstGeom prst="rect">
             <a:avLst/>
@@ -4261,119 +4970,22 @@
           <a:noFill/>
         </p:spPr>
         <p:txBody>
-          <a:bodyPr>
+          <a:bodyPr wrap="none" rtlCol="0">
             <a:spAutoFit/>
           </a:bodyPr>
           <a:lstStyle/>
           <a:p>
-            <a:pPr>
-              <a:defRPr/>
-            </a:pPr>
-            <a:r>
-              <a:rPr lang="en-US" sz="2400" dirty="0" smtClean="0">
+            <a:r>
+              <a:rPr lang="en-US" dirty="0" smtClean="0">
                 <a:solidFill>
-                  <a:schemeClr val="bg2">
-                    <a:lumMod val="75000"/>
-                  </a:schemeClr>
+                  <a:srgbClr val="FF0000"/>
                 </a:solidFill>
               </a:rPr>
-              <a:t>Not really design for Java as a fundamental </a:t>
-            </a:r>
-            <a:r>
-              <a:rPr lang="en-US" sz="2400" dirty="0" err="1" smtClean="0">
-                <a:solidFill>
-                  <a:schemeClr val="bg2">
-                    <a:lumMod val="75000"/>
-                  </a:schemeClr>
-                </a:solidFill>
-              </a:rPr>
-              <a:t>lang</a:t>
-            </a:r>
-            <a:r>
-              <a:rPr lang="en-US" sz="2400" dirty="0" smtClean="0">
-                <a:solidFill>
-                  <a:schemeClr val="bg2">
-                    <a:lumMod val="75000"/>
-                  </a:schemeClr>
-                </a:solidFill>
-              </a:rPr>
-              <a:t> in mind</a:t>
-            </a:r>
-            <a:endParaRPr lang="en-US" sz="2400" dirty="0">
+              <a:t>Simply and internalize the words</a:t>
+            </a:r>
+            <a:endParaRPr lang="en-US" dirty="0">
               <a:solidFill>
-                <a:schemeClr val="bg2">
-                  <a:lumMod val="75000"/>
-                </a:schemeClr>
-              </a:solidFill>
-            </a:endParaRPr>
-          </a:p>
-        </p:txBody>
-      </p:sp>
-      <p:sp>
-        <p:nvSpPr>
-          <p:cNvPr id="7" name="TextBox 6"/>
-          <p:cNvSpPr txBox="1"/>
-          <p:nvPr/>
-        </p:nvSpPr>
-        <p:spPr>
-          <a:xfrm>
-            <a:off x="6096000" y="1447800"/>
-            <a:ext cx="1905000" cy="3231654"/>
-          </a:xfrm>
-          <a:prstGeom prst="rect">
-            <a:avLst/>
-          </a:prstGeom>
-          <a:noFill/>
-        </p:spPr>
-        <p:txBody>
-          <a:bodyPr>
-            <a:spAutoFit/>
-          </a:bodyPr>
-          <a:lstStyle/>
-          <a:p>
-            <a:pPr>
-              <a:defRPr/>
-            </a:pPr>
-            <a:r>
-              <a:rPr lang="en-US" sz="2400" dirty="0" smtClean="0">
-                <a:solidFill>
-                  <a:schemeClr val="bg2">
-                    <a:lumMod val="75000"/>
-                  </a:schemeClr>
-                </a:solidFill>
-              </a:rPr>
-              <a:t>Paddling </a:t>
-            </a:r>
-            <a:r>
-              <a:rPr lang="en-US" sz="2400" dirty="0">
-                <a:solidFill>
-                  <a:schemeClr val="bg2">
-                    <a:lumMod val="75000"/>
-                  </a:schemeClr>
-                </a:solidFill>
-              </a:rPr>
-              <a:t>their ware such as installing their whole stack</a:t>
-            </a:r>
-          </a:p>
-          <a:p>
-            <a:pPr>
-              <a:defRPr/>
-            </a:pPr>
-            <a:r>
-              <a:rPr lang="en-US" sz="2400" dirty="0" smtClean="0">
-                <a:solidFill>
-                  <a:schemeClr val="bg2">
-                    <a:lumMod val="75000"/>
-                  </a:schemeClr>
-                </a:solidFill>
-              </a:rPr>
-              <a:t>Clumsy tutorial</a:t>
-            </a:r>
-            <a:endParaRPr lang="en-US" sz="2400" dirty="0">
-              <a:solidFill>
-                <a:schemeClr val="bg2">
-                  <a:lumMod val="75000"/>
-                </a:schemeClr>
+                <a:srgbClr val="FF0000"/>
               </a:solidFill>
             </a:endParaRPr>
           </a:p>
@@ -4416,7 +5028,7 @@
       </p:grpSpPr>
       <p:sp>
         <p:nvSpPr>
-          <p:cNvPr id="9218" name="Rectangle 2"/>
+          <p:cNvPr id="7170" name="Rectangle 2"/>
           <p:cNvSpPr>
             <a:spLocks noGrp="1" noChangeArrowheads="1"/>
           </p:cNvSpPr>
@@ -4431,7 +5043,7 @@
           <a:p>
             <a:r>
               <a:rPr lang="en-US" dirty="0" smtClean="0"/>
-              <a:t>Scenarios</a:t>
+              <a:t>Best Practice</a:t>
             </a:r>
             <a:endParaRPr lang="en-US" dirty="0" smtClean="0"/>
           </a:p>
@@ -4439,14 +5051,14 @@
       </p:sp>
       <p:sp>
         <p:nvSpPr>
-          <p:cNvPr id="6" name="TextBox 5"/>
+          <p:cNvPr id="3" name="TextBox 2"/>
           <p:cNvSpPr txBox="1"/>
           <p:nvPr/>
         </p:nvSpPr>
         <p:spPr>
           <a:xfrm>
-            <a:off x="685800" y="1524000"/>
-            <a:ext cx="7696200" cy="1384995"/>
+            <a:off x="609600" y="1295400"/>
+            <a:ext cx="8077200" cy="4593565"/>
           </a:xfrm>
           <a:prstGeom prst="rect">
             <a:avLst/>
@@ -4454,7 +5066,7 @@
           <a:noFill/>
         </p:spPr>
         <p:txBody>
-          <a:bodyPr wrap="square">
+          <a:bodyPr wrap="square" rtlCol="0">
             <a:spAutoFit/>
           </a:bodyPr>
           <a:lstStyle/>
@@ -4462,50 +5074,101 @@
             <a:pPr>
               <a:buFont typeface="Arial" pitchFamily="34" charset="0"/>
               <a:buChar char="•"/>
-              <a:defRPr/>
-            </a:pPr>
-            <a:r>
-              <a:rPr lang="en-US" sz="2400" dirty="0" smtClean="0">
-                <a:solidFill>
-                  <a:schemeClr val="bg2">
-                    <a:lumMod val="75000"/>
-                  </a:schemeClr>
-                </a:solidFill>
-              </a:rPr>
-              <a:t> Computational intensive – Monte Carlo Simulation for Option TV </a:t>
+            </a:pPr>
+            <a:r>
+              <a:rPr lang="en-US" dirty="0" smtClean="0"/>
+              <a:t>  Actors should be like nice co-workers: do their job efficiently without bothering everyone else needlessly and avoid hogging resources. Translated to programming this means to process events and generate responses (or more requests) in an event-driven manner. Actors should not block (i.e. passively wait while occupying a Thread) on some external entity—which might be a lock, a network socket, etc.—unless it is unavoidable; in the latter case see below</a:t>
             </a:r>
           </a:p>
           <a:p>
             <a:pPr>
               <a:buFont typeface="Arial" pitchFamily="34" charset="0"/>
               <a:buChar char="•"/>
-              <a:defRPr/>
-            </a:pPr>
-            <a:r>
-              <a:rPr lang="en-US" sz="2400" dirty="0">
+            </a:pPr>
+            <a:r>
+              <a:rPr lang="en-US" dirty="0"/>
+              <a:t> </a:t>
+            </a:r>
+            <a:r>
+              <a:rPr lang="en-US" dirty="0" smtClean="0"/>
+              <a:t>Do not pass mutable objects between actors. In order to ensure that, prefer immutable messages. If the encapsulation of actors is broken by exposing their mutable state to the outside, you are back in normal Java concurrency land with all the drawbacks.</a:t>
+            </a:r>
+          </a:p>
+          <a:p>
+            <a:pPr>
+              <a:buFont typeface="Arial" pitchFamily="34" charset="0"/>
+              <a:buChar char="•"/>
+            </a:pPr>
+            <a:r>
+              <a:rPr lang="en-US" dirty="0" smtClean="0"/>
+              <a:t> Actors are made to be containers for behavior and state, embracing this means to not routinely send behavior within messages (which may be tempting using </a:t>
+            </a:r>
+            <a:r>
+              <a:rPr lang="en-US" dirty="0" err="1" smtClean="0"/>
+              <a:t>Scala</a:t>
+            </a:r>
+            <a:r>
+              <a:rPr lang="en-US" dirty="0" smtClean="0"/>
+              <a:t> closures). One of the risks is to accidentally share mutable state between actors, and this violation of the actor model unfortunately breaks all the properties which make programming in actors such a nice experience.</a:t>
+            </a:r>
+          </a:p>
+          <a:p>
+            <a:pPr>
+              <a:buFont typeface="Arial" pitchFamily="34" charset="0"/>
+              <a:buChar char="•"/>
+            </a:pPr>
+            <a:r>
+              <a:rPr lang="en-US" dirty="0"/>
+              <a:t> </a:t>
+            </a:r>
+            <a:r>
+              <a:rPr lang="en-US" dirty="0" smtClean="0"/>
+              <a:t>Top-level actors are the innermost part of your Error Kernel, so create them sparingly and prefer truly hierarchical systems. This has benefits </a:t>
+            </a:r>
+            <a:r>
+              <a:rPr lang="en-US" dirty="0" err="1" smtClean="0"/>
+              <a:t>wrt</a:t>
+            </a:r>
+            <a:r>
+              <a:rPr lang="en-US" dirty="0" smtClean="0"/>
+              <a:t>. fault-handling (both considering the granularity of configuration and the performance) and it also reduces the number of blocking calls made, since the creation of top-level actors involves synchronous messaging.</a:t>
+            </a:r>
+          </a:p>
+        </p:txBody>
+      </p:sp>
+      <p:sp>
+        <p:nvSpPr>
+          <p:cNvPr id="4" name="TextBox 3"/>
+          <p:cNvSpPr txBox="1"/>
+          <p:nvPr/>
+        </p:nvSpPr>
+        <p:spPr>
+          <a:xfrm>
+            <a:off x="5334000" y="6019800"/>
+            <a:ext cx="2959465" cy="323165"/>
+          </a:xfrm>
+          <a:prstGeom prst="rect">
+            <a:avLst/>
+          </a:prstGeom>
+          <a:noFill/>
+        </p:spPr>
+        <p:txBody>
+          <a:bodyPr wrap="none" rtlCol="0">
+            <a:spAutoFit/>
+          </a:bodyPr>
+          <a:lstStyle/>
+          <a:p>
+            <a:r>
+              <a:rPr lang="en-US" dirty="0" smtClean="0">
                 <a:solidFill>
-                  <a:schemeClr val="bg2">
-                    <a:lumMod val="75000"/>
-                  </a:schemeClr>
+                  <a:srgbClr val="FF0000"/>
                 </a:solidFill>
               </a:rPr>
-              <a:t> </a:t>
-            </a:r>
-            <a:r>
-              <a:rPr lang="en-US" sz="2400" dirty="0" smtClean="0">
-                <a:solidFill>
-                  <a:schemeClr val="bg2">
-                    <a:lumMod val="75000"/>
-                  </a:schemeClr>
-                </a:solidFill>
-              </a:rPr>
-              <a:t>I/O Intensive - ???</a:t>
-            </a:r>
-            <a:endParaRPr lang="en-US" sz="2400" dirty="0">
+              <a:t>Simply and internalize the words</a:t>
+            </a:r>
+            <a:endParaRPr lang="en-US" dirty="0">
               <a:solidFill>
-                <a:schemeClr val="bg2">
-                  <a:lumMod val="75000"/>
-                </a:schemeClr>
+                <a:srgbClr val="FF0000"/>
               </a:solidFill>
             </a:endParaRPr>
           </a:p>
@@ -4548,7 +5211,7 @@
       </p:grpSpPr>
       <p:sp>
         <p:nvSpPr>
-          <p:cNvPr id="9218" name="Rectangle 2"/>
+          <p:cNvPr id="7170" name="Rectangle 2"/>
           <p:cNvSpPr>
             <a:spLocks noGrp="1" noChangeArrowheads="1"/>
           </p:cNvSpPr>
@@ -4563,7 +5226,7 @@
           <a:p>
             <a:r>
               <a:rPr lang="en-US" dirty="0" smtClean="0"/>
-              <a:t>Result discussion</a:t>
+              <a:t>Blocking strategies</a:t>
             </a:r>
             <a:endParaRPr lang="en-US" dirty="0" smtClean="0"/>
           </a:p>
@@ -4571,14 +5234,14 @@
       </p:sp>
       <p:sp>
         <p:nvSpPr>
-          <p:cNvPr id="6" name="TextBox 5"/>
+          <p:cNvPr id="3" name="TextBox 2"/>
           <p:cNvSpPr txBox="1"/>
           <p:nvPr/>
         </p:nvSpPr>
         <p:spPr>
           <a:xfrm>
-            <a:off x="685800" y="1524000"/>
-            <a:ext cx="7696200" cy="1569660"/>
+            <a:off x="609600" y="1295400"/>
+            <a:ext cx="8077200" cy="2746906"/>
           </a:xfrm>
           <a:prstGeom prst="rect">
             <a:avLst/>
@@ -4586,70 +5249,92 @@
           <a:noFill/>
         </p:spPr>
         <p:txBody>
-          <a:bodyPr wrap="square">
+          <a:bodyPr wrap="square" rtlCol="0">
             <a:spAutoFit/>
           </a:bodyPr>
           <a:lstStyle/>
           <a:p>
-            <a:pPr>
-              <a:buFont typeface="Arial" pitchFamily="34" charset="0"/>
-              <a:buChar char="•"/>
-              <a:defRPr/>
-            </a:pPr>
-            <a:r>
-              <a:rPr lang="en-US" sz="2400" dirty="0" smtClean="0">
+            <a:r>
+              <a:rPr lang="en-US" dirty="0" smtClean="0"/>
+              <a:t>  Do the blocking call within an actor (or a set of actors managed by a router [</a:t>
+            </a:r>
+            <a:r>
+              <a:rPr lang="en-US" i="1" dirty="0" smtClean="0">
+                <a:hlinkClick r:id="rId2"/>
+              </a:rPr>
+              <a:t>Java</a:t>
+            </a:r>
+            <a:r>
+              <a:rPr lang="en-US" dirty="0" smtClean="0"/>
+              <a:t>, </a:t>
+            </a:r>
+            <a:r>
+              <a:rPr lang="en-US" i="1" dirty="0" err="1" smtClean="0">
+                <a:hlinkClick r:id="rId3"/>
+              </a:rPr>
+              <a:t>Scala</a:t>
+            </a:r>
+            <a:r>
+              <a:rPr lang="en-US" dirty="0" smtClean="0"/>
+              <a:t>]), making sure to configure a thread pool which is either dedicated for this purpose or sufficiently sized.</a:t>
+            </a:r>
+          </a:p>
+          <a:p>
+            <a:r>
+              <a:rPr lang="en-US" dirty="0" smtClean="0"/>
+              <a:t>Do the blocking call within a Future, ensuring an upper bound on the number of such calls at any point in time (submitting an unbounded number of tasks of this nature will exhaust your memory or thread limits).</a:t>
+            </a:r>
+          </a:p>
+          <a:p>
+            <a:r>
+              <a:rPr lang="en-US" dirty="0" smtClean="0"/>
+              <a:t>Do the blocking call within a Future, providing a thread pool with an upper limit on the number of threads which is appropriate for the hardware on which the application runs.</a:t>
+            </a:r>
+          </a:p>
+          <a:p>
+            <a:r>
+              <a:rPr lang="en-US" dirty="0" smtClean="0"/>
+              <a:t>Dedicate a single thread to manage a set of blocking resources (e.g. a NIO selector driving multiple channels) and dispatch events as they occur as actor messages.</a:t>
+            </a:r>
+            <a:endParaRPr lang="en-US" dirty="0"/>
+          </a:p>
+        </p:txBody>
+      </p:sp>
+      <p:sp>
+        <p:nvSpPr>
+          <p:cNvPr id="4" name="TextBox 3"/>
+          <p:cNvSpPr txBox="1"/>
+          <p:nvPr/>
+        </p:nvSpPr>
+        <p:spPr>
+          <a:xfrm>
+            <a:off x="5334000" y="6019800"/>
+            <a:ext cx="2959465" cy="323165"/>
+          </a:xfrm>
+          <a:prstGeom prst="rect">
+            <a:avLst/>
+          </a:prstGeom>
+          <a:noFill/>
+        </p:spPr>
+        <p:txBody>
+          <a:bodyPr wrap="none" rtlCol="0">
+            <a:spAutoFit/>
+          </a:bodyPr>
+          <a:lstStyle/>
+          <a:p>
+            <a:r>
+              <a:rPr lang="en-US" dirty="0" smtClean="0">
                 <a:solidFill>
-                  <a:schemeClr val="bg2">
-                    <a:lumMod val="75000"/>
-                  </a:schemeClr>
+                  <a:srgbClr val="FF0000"/>
                 </a:solidFill>
               </a:rPr>
-              <a:t> Scale</a:t>
-            </a:r>
-          </a:p>
-          <a:p>
-            <a:pPr>
-              <a:buFont typeface="Arial" pitchFamily="34" charset="0"/>
-              <a:buChar char="•"/>
-              <a:defRPr/>
-            </a:pPr>
-            <a:r>
-              <a:rPr lang="en-US" sz="2400" dirty="0">
-                <a:solidFill>
-                  <a:schemeClr val="bg2">
-                    <a:lumMod val="75000"/>
-                  </a:schemeClr>
-                </a:solidFill>
-              </a:rPr>
-              <a:t> </a:t>
-            </a:r>
-            <a:r>
-              <a:rPr lang="en-US" sz="2400" dirty="0" smtClean="0">
-                <a:solidFill>
-                  <a:schemeClr val="bg2">
-                    <a:lumMod val="75000"/>
-                  </a:schemeClr>
-                </a:solidFill>
-              </a:rPr>
-              <a:t>code comparison</a:t>
-            </a:r>
-          </a:p>
-          <a:p>
-            <a:pPr>
-              <a:buFont typeface="Arial" pitchFamily="34" charset="0"/>
-              <a:buChar char="•"/>
-              <a:defRPr/>
-            </a:pPr>
-            <a:r>
-              <a:rPr lang="en-US" sz="2400" dirty="0">
-                <a:solidFill>
-                  <a:schemeClr val="bg2">
-                    <a:lumMod val="75000"/>
-                  </a:schemeClr>
-                </a:solidFill>
-              </a:rPr>
-              <a:t> </a:t>
-            </a:r>
+              <a:t>Simply and internalize the words</a:t>
+            </a:r>
+            <a:endParaRPr lang="en-US" dirty="0">
+              <a:solidFill>
+                <a:srgbClr val="FF0000"/>
+              </a:solidFill>
+            </a:endParaRPr>
           </a:p>
         </p:txBody>
       </p:sp>
@@ -4690,7 +5375,7 @@
       </p:grpSpPr>
       <p:sp>
         <p:nvSpPr>
-          <p:cNvPr id="10242" name="Rectangle 2"/>
+          <p:cNvPr id="7170" name="Rectangle 2"/>
           <p:cNvSpPr>
             <a:spLocks noGrp="1" noChangeArrowheads="1"/>
           </p:cNvSpPr>
@@ -4704,103 +5389,98 @@
           <a:lstStyle/>
           <a:p>
             <a:r>
+              <a:rPr lang="en-US" dirty="0" err="1" smtClean="0"/>
+              <a:t>Akka</a:t>
+            </a:r>
+            <a:r>
               <a:rPr lang="en-US" dirty="0" smtClean="0"/>
-              <a:t>What you need to be aware of?</a:t>
-            </a:r>
-          </a:p>
-        </p:txBody>
-      </p:sp>
-      <p:sp>
-        <p:nvSpPr>
-          <p:cNvPr id="10243" name="Rectangle 3"/>
-          <p:cNvSpPr>
-            <a:spLocks noGrp="1" noChangeArrowheads="1"/>
-          </p:cNvSpPr>
-          <p:nvPr>
-            <p:ph type="body" idx="1"/>
-          </p:nvPr>
-        </p:nvSpPr>
-        <p:spPr/>
-        <p:txBody>
-          <a:bodyPr/>
+              <a:t> provides</a:t>
+            </a:r>
+            <a:endParaRPr lang="en-US" dirty="0" smtClean="0"/>
+          </a:p>
+        </p:txBody>
+      </p:sp>
+      <p:sp>
+        <p:nvSpPr>
+          <p:cNvPr id="3" name="TextBox 2"/>
+          <p:cNvSpPr txBox="1"/>
+          <p:nvPr/>
+        </p:nvSpPr>
+        <p:spPr>
+          <a:xfrm>
+            <a:off x="609600" y="1295400"/>
+            <a:ext cx="8077200" cy="1246495"/>
+          </a:xfrm>
+          <a:prstGeom prst="rect">
+            <a:avLst/>
+          </a:prstGeom>
+          <a:noFill/>
+        </p:spPr>
+        <p:txBody>
+          <a:bodyPr wrap="square" rtlCol="0">
+            <a:spAutoFit/>
+          </a:bodyPr>
           <a:lstStyle/>
           <a:p>
-            <a:pPr marL="0" indent="0">
-              <a:buFont typeface="Arial" charset="0"/>
-              <a:buChar char="•"/>
-            </a:pPr>
-            <a:r>
-              <a:rPr lang="en-US" sz="2400" dirty="0" smtClean="0"/>
-              <a:t> Test the scalability of different vendors</a:t>
-            </a:r>
-          </a:p>
-          <a:p>
-            <a:pPr marL="0" indent="0">
-              <a:buFont typeface="Arial" charset="0"/>
-              <a:buChar char="•"/>
-            </a:pPr>
-            <a:endParaRPr lang="en-US" sz="2400" dirty="0" smtClean="0"/>
-          </a:p>
-          <a:p>
-            <a:pPr marL="0" indent="0">
-              <a:buFont typeface="Arial" charset="0"/>
-              <a:buChar char="•"/>
-            </a:pPr>
-            <a:r>
-              <a:rPr lang="en-US" sz="2400" dirty="0" smtClean="0"/>
-              <a:t> What hardware, software and language requirements are</a:t>
-            </a:r>
-          </a:p>
-          <a:p>
-            <a:pPr marL="0" indent="0">
-              <a:buFont typeface="Arial" charset="0"/>
-              <a:buChar char="•"/>
-            </a:pPr>
-            <a:endParaRPr lang="en-US" sz="2400" dirty="0" smtClean="0"/>
-          </a:p>
-          <a:p>
-            <a:pPr marL="0" indent="0">
-              <a:buFont typeface="Arial" charset="0"/>
-              <a:buChar char="•"/>
-            </a:pPr>
-            <a:r>
-              <a:rPr lang="en-US" sz="2400" dirty="0" smtClean="0"/>
-              <a:t> How do they perform in WAN/LAN when someone kick the network cable and separated the cluster?</a:t>
-            </a:r>
-          </a:p>
-          <a:p>
-            <a:pPr marL="0" indent="0">
-              <a:buFont typeface="Arial" charset="0"/>
-              <a:buChar char="•"/>
-            </a:pPr>
-            <a:endParaRPr lang="en-US" sz="2400" dirty="0" smtClean="0"/>
-          </a:p>
-          <a:p>
-            <a:pPr marL="0" indent="0">
-              <a:buFont typeface="Arial" charset="0"/>
-              <a:buChar char="•"/>
-            </a:pPr>
-            <a:r>
-              <a:rPr lang="en-US" sz="2400" dirty="0" smtClean="0"/>
-              <a:t> Requirements for object to be store in the grid</a:t>
-            </a:r>
-          </a:p>
-          <a:p>
-            <a:pPr marL="0" indent="0">
-              <a:buFont typeface="Arial" charset="0"/>
-              <a:buChar char="•"/>
-            </a:pPr>
-            <a:endParaRPr lang="en-US" sz="2400" dirty="0" smtClean="0"/>
-          </a:p>
-          <a:p>
-            <a:pPr marL="0" indent="0">
-              <a:buFont typeface="Arial" charset="0"/>
-              <a:buChar char="•"/>
-            </a:pPr>
-            <a:r>
-              <a:rPr lang="en-US" sz="2400" dirty="0" smtClean="0"/>
-              <a:t> Supporting frameworks such as analytics,  monitoring, transaction management and events processing</a:t>
-            </a:r>
+            <a:r>
+              <a:rPr lang="en-US" dirty="0" smtClean="0"/>
+              <a:t>Actor model</a:t>
+            </a:r>
+          </a:p>
+          <a:p>
+            <a:r>
+              <a:rPr lang="en-US" dirty="0" smtClean="0"/>
+              <a:t>Other communication integration such as Camel</a:t>
+            </a:r>
+          </a:p>
+          <a:p>
+            <a:r>
+              <a:rPr lang="en-US" dirty="0" smtClean="0"/>
+              <a:t>There may be millions of actors within one such system, after all the mantra is to view them as abundant and they weigh in at an overhead of only roughly 300 bytes per </a:t>
+            </a:r>
+            <a:r>
+              <a:rPr lang="en-US" smtClean="0"/>
+              <a:t>instanc</a:t>
+            </a:r>
+            <a:endParaRPr lang="en-US" dirty="0"/>
+          </a:p>
+        </p:txBody>
+      </p:sp>
+      <p:sp>
+        <p:nvSpPr>
+          <p:cNvPr id="4" name="TextBox 3"/>
+          <p:cNvSpPr txBox="1"/>
+          <p:nvPr/>
+        </p:nvSpPr>
+        <p:spPr>
+          <a:xfrm>
+            <a:off x="5334000" y="6019800"/>
+            <a:ext cx="2959465" cy="323165"/>
+          </a:xfrm>
+          <a:prstGeom prst="rect">
+            <a:avLst/>
+          </a:prstGeom>
+          <a:noFill/>
+        </p:spPr>
+        <p:txBody>
+          <a:bodyPr wrap="none" rtlCol="0">
+            <a:spAutoFit/>
+          </a:bodyPr>
+          <a:lstStyle/>
+          <a:p>
+            <a:r>
+              <a:rPr lang="en-US" dirty="0" smtClean="0">
+                <a:solidFill>
+                  <a:srgbClr val="FF0000"/>
+                </a:solidFill>
+              </a:rPr>
+              <a:t>Simply and internalize the words</a:t>
+            </a:r>
+            <a:endParaRPr lang="en-US" dirty="0">
+              <a:solidFill>
+                <a:srgbClr val="FF0000"/>
+              </a:solidFill>
+            </a:endParaRPr>
           </a:p>
         </p:txBody>
       </p:sp>

--- a/In Memory Data Grid Discussion.pptx
+++ b/In Memory Data Grid Discussion.pptx
@@ -14,11 +14,12 @@
     <p:sldId id="267" r:id="rId8"/>
     <p:sldId id="268" r:id="rId9"/>
     <p:sldId id="269" r:id="rId10"/>
-    <p:sldId id="263" r:id="rId11"/>
-    <p:sldId id="264" r:id="rId12"/>
-    <p:sldId id="265" r:id="rId13"/>
-    <p:sldId id="259" r:id="rId14"/>
-    <p:sldId id="260" r:id="rId15"/>
+    <p:sldId id="270" r:id="rId11"/>
+    <p:sldId id="263" r:id="rId12"/>
+    <p:sldId id="264" r:id="rId13"/>
+    <p:sldId id="265" r:id="rId14"/>
+    <p:sldId id="259" r:id="rId15"/>
+    <p:sldId id="260" r:id="rId16"/>
   </p:sldIdLst>
   <p:sldSz cx="9144000" cy="6858000" type="screen4x3"/>
   <p:notesSz cx="6858000" cy="9144000"/>
@@ -403,7 +404,7 @@
             <a:pPr>
               <a:defRPr/>
             </a:pPr>
-            <a:endParaRPr lang="en-US"/>
+            <a:endParaRPr lang="en-US" dirty="0"/>
           </a:p>
         </p:txBody>
       </p:sp>
@@ -572,7 +573,7 @@
             <a:pPr>
               <a:defRPr/>
             </a:pPr>
-            <a:endParaRPr lang="en-US"/>
+            <a:endParaRPr lang="en-US" dirty="0"/>
           </a:p>
         </p:txBody>
       </p:sp>
@@ -751,7 +752,7 @@
             <a:pPr>
               <a:defRPr/>
             </a:pPr>
-            <a:endParaRPr lang="en-US"/>
+            <a:endParaRPr lang="en-US" dirty="0"/>
           </a:p>
         </p:txBody>
       </p:sp>
@@ -920,7 +921,7 @@
             <a:pPr>
               <a:defRPr/>
             </a:pPr>
-            <a:endParaRPr lang="en-US"/>
+            <a:endParaRPr lang="en-US" dirty="0"/>
           </a:p>
         </p:txBody>
       </p:sp>
@@ -1111,7 +1112,7 @@
             <a:pPr>
               <a:defRPr/>
             </a:pPr>
-            <a:endParaRPr lang="en-US"/>
+            <a:endParaRPr lang="en-US" dirty="0"/>
           </a:p>
         </p:txBody>
       </p:sp>
@@ -1398,7 +1399,7 @@
             <a:pPr>
               <a:defRPr/>
             </a:pPr>
-            <a:endParaRPr lang="en-US"/>
+            <a:endParaRPr lang="en-US" dirty="0"/>
           </a:p>
         </p:txBody>
       </p:sp>
@@ -1824,7 +1825,7 @@
             <a:pPr>
               <a:defRPr/>
             </a:pPr>
-            <a:endParaRPr lang="en-US"/>
+            <a:endParaRPr lang="en-US" dirty="0"/>
           </a:p>
         </p:txBody>
       </p:sp>
@@ -1941,7 +1942,7 @@
             <a:pPr>
               <a:defRPr/>
             </a:pPr>
-            <a:endParaRPr lang="en-US"/>
+            <a:endParaRPr lang="en-US" dirty="0"/>
           </a:p>
         </p:txBody>
       </p:sp>
@@ -2035,7 +2036,7 @@
             <a:pPr>
               <a:defRPr/>
             </a:pPr>
-            <a:endParaRPr lang="en-US"/>
+            <a:endParaRPr lang="en-US" dirty="0"/>
           </a:p>
         </p:txBody>
       </p:sp>
@@ -2311,7 +2312,7 @@
             <a:pPr>
               <a:defRPr/>
             </a:pPr>
-            <a:endParaRPr lang="en-US"/>
+            <a:endParaRPr lang="en-US" dirty="0"/>
           </a:p>
         </p:txBody>
       </p:sp>
@@ -2564,7 +2565,7 @@
             <a:pPr>
               <a:defRPr/>
             </a:pPr>
-            <a:endParaRPr lang="en-US"/>
+            <a:endParaRPr lang="en-US" dirty="0"/>
           </a:p>
         </p:txBody>
       </p:sp>
@@ -2903,7 +2904,7 @@
             <a:pPr>
               <a:defRPr/>
             </a:pPr>
-            <a:endParaRPr lang="en-US"/>
+            <a:endParaRPr lang="en-US" dirty="0"/>
           </a:p>
         </p:txBody>
       </p:sp>
@@ -3426,12 +3427,8 @@
           <a:p>
             <a:pPr marL="0" indent="0"/>
             <a:r>
-              <a:rPr lang="en-US" dirty="0" err="1" smtClean="0"/>
-              <a:t>GEDex</a:t>
-            </a:r>
-            <a:r>
               <a:rPr lang="en-US" dirty="0" smtClean="0"/>
-              <a:t> Day (Nov 12)</a:t>
+              <a:t>GEDex Day (Nov 12)</a:t>
             </a:r>
             <a:endParaRPr lang="en-US" dirty="0" smtClean="0"/>
           </a:p>
@@ -3524,7 +3521,7 @@
       </p:grpSpPr>
       <p:sp>
         <p:nvSpPr>
-          <p:cNvPr id="8194" name="Rectangle 2"/>
+          <p:cNvPr id="7170" name="Rectangle 2"/>
           <p:cNvSpPr>
             <a:spLocks noGrp="1" noChangeArrowheads="1"/>
           </p:cNvSpPr>
@@ -3538,32 +3535,8 @@
           <a:lstStyle/>
           <a:p>
             <a:r>
-              <a:rPr lang="en-US" dirty="0" err="1" smtClean="0"/>
-              <a:t>Akka</a:t>
-            </a:r>
-            <a:r>
               <a:rPr lang="en-US" dirty="0" smtClean="0"/>
-              <a:t> </a:t>
-            </a:r>
-            <a:r>
-              <a:rPr lang="en-US" dirty="0" smtClean="0"/>
-              <a:t>– </a:t>
-            </a:r>
-            <a:r>
-              <a:rPr lang="en-US" dirty="0" smtClean="0"/>
-              <a:t>T</a:t>
-            </a:r>
-            <a:r>
-              <a:rPr lang="en-US" dirty="0" smtClean="0"/>
-              <a:t>he Good, the Bad and the </a:t>
-            </a:r>
-            <a:r>
-              <a:rPr lang="en-US" dirty="0" smtClean="0"/>
-              <a:t>U</a:t>
-            </a:r>
-            <a:r>
-              <a:rPr lang="en-US" dirty="0" smtClean="0"/>
-              <a:t>gly</a:t>
+              <a:t>Design Pre-requisite</a:t>
             </a:r>
             <a:endParaRPr lang="en-US" dirty="0" smtClean="0"/>
           </a:p>
@@ -3571,14 +3544,14 @@
       </p:sp>
       <p:sp>
         <p:nvSpPr>
-          <p:cNvPr id="6" name="TextBox 5"/>
+          <p:cNvPr id="3" name="TextBox 2"/>
           <p:cNvSpPr txBox="1"/>
           <p:nvPr/>
         </p:nvSpPr>
         <p:spPr>
           <a:xfrm>
-            <a:off x="685800" y="1524000"/>
-            <a:ext cx="1905000" cy="1569660"/>
+            <a:off x="609600" y="1295400"/>
+            <a:ext cx="8077200" cy="2169825"/>
           </a:xfrm>
           <a:prstGeom prst="rect">
             <a:avLst/>
@@ -3586,44 +3559,103 @@
           <a:noFill/>
         </p:spPr>
         <p:txBody>
-          <a:bodyPr>
+          <a:bodyPr wrap="square" rtlCol="0">
             <a:spAutoFit/>
           </a:bodyPr>
           <a:lstStyle/>
           <a:p>
             <a:pPr>
-              <a:defRPr/>
-            </a:pPr>
-            <a:r>
-              <a:rPr lang="en-US" sz="2400" dirty="0" smtClean="0">
-                <a:solidFill>
-                  <a:schemeClr val="bg2">
-                    <a:lumMod val="75000"/>
-                  </a:schemeClr>
-                </a:solidFill>
+              <a:buFont typeface="Arial" pitchFamily="34" charset="0"/>
+              <a:buChar char="•"/>
+            </a:pPr>
+            <a:r>
+              <a:rPr lang="en-US" dirty="0"/>
+              <a:t> </a:t>
+            </a:r>
+            <a:r>
+              <a:rPr lang="en-US" dirty="0" smtClean="0"/>
+              <a:t>Immutable messaging</a:t>
+            </a:r>
+          </a:p>
+          <a:p>
+            <a:pPr>
+              <a:buFont typeface="Arial" pitchFamily="34" charset="0"/>
+              <a:buChar char="•"/>
+            </a:pPr>
+            <a:r>
+              <a:rPr lang="en-US" dirty="0"/>
+              <a:t> </a:t>
+            </a:r>
+            <a:r>
+              <a:rPr lang="en-US" dirty="0" smtClean="0"/>
+              <a:t>Remote to local with optimization instead of local to remote generalization (</a:t>
+            </a:r>
+            <a:r>
+              <a:rPr lang="en-US" dirty="0" smtClean="0">
+                <a:hlinkClick r:id="rId2"/>
               </a:rPr>
-              <a:t>Mature, good documentation</a:t>
-            </a:r>
-            <a:endParaRPr lang="en-US" sz="2400" dirty="0">
-              <a:solidFill>
-                <a:schemeClr val="bg2">
-                  <a:lumMod val="75000"/>
-                </a:schemeClr>
-              </a:solidFill>
-            </a:endParaRPr>
-          </a:p>
-        </p:txBody>
-      </p:sp>
-      <p:sp>
-        <p:nvSpPr>
-          <p:cNvPr id="5" name="TextBox 4"/>
+              <a:t>http://labs.oracle.com/techrep/1994/smli_tr-94-29.pdf</a:t>
+            </a:r>
+            <a:r>
+              <a:rPr lang="en-US" dirty="0" smtClean="0"/>
+              <a:t>); hence no remote/local distinction and most are driven by configuration</a:t>
+            </a:r>
+          </a:p>
+          <a:p>
+            <a:pPr>
+              <a:buFont typeface="Arial" pitchFamily="34" charset="0"/>
+              <a:buChar char="•"/>
+            </a:pPr>
+            <a:r>
+              <a:rPr lang="en-US" dirty="0"/>
+              <a:t> </a:t>
+            </a:r>
+            <a:r>
+              <a:rPr lang="en-US" dirty="0" smtClean="0"/>
+              <a:t>Messages must be serializable including the setup in Prop</a:t>
+            </a:r>
+          </a:p>
+          <a:p>
+            <a:pPr>
+              <a:buFont typeface="Arial" pitchFamily="34" charset="0"/>
+              <a:buChar char="•"/>
+            </a:pPr>
+            <a:r>
+              <a:rPr lang="en-US" dirty="0"/>
+              <a:t> </a:t>
+            </a:r>
+            <a:r>
+              <a:rPr lang="en-US" dirty="0" smtClean="0"/>
+              <a:t>Async and data lost</a:t>
+            </a:r>
+          </a:p>
+          <a:p>
+            <a:pPr>
+              <a:buFont typeface="Arial" pitchFamily="34" charset="0"/>
+              <a:buChar char="•"/>
+            </a:pPr>
+            <a:r>
+              <a:rPr lang="en-US" dirty="0"/>
+              <a:t> </a:t>
+            </a:r>
+            <a:r>
+              <a:rPr lang="en-US" dirty="0" smtClean="0"/>
+              <a:t>Don’t expect the same thread will process two different messages</a:t>
+            </a:r>
+            <a:endParaRPr lang="en-US" dirty="0"/>
+          </a:p>
+        </p:txBody>
+      </p:sp>
+      <p:sp>
+        <p:nvSpPr>
+          <p:cNvPr id="4" name="TextBox 3"/>
           <p:cNvSpPr txBox="1"/>
           <p:nvPr/>
         </p:nvSpPr>
         <p:spPr>
           <a:xfrm>
-            <a:off x="2895600" y="1600200"/>
-            <a:ext cx="1905000" cy="1938992"/>
+            <a:off x="5334000" y="6019800"/>
+            <a:ext cx="2959465" cy="323165"/>
           </a:xfrm>
           <a:prstGeom prst="rect">
             <a:avLst/>
@@ -3631,119 +3663,22 @@
           <a:noFill/>
         </p:spPr>
         <p:txBody>
-          <a:bodyPr>
+          <a:bodyPr wrap="none" rtlCol="0">
             <a:spAutoFit/>
           </a:bodyPr>
           <a:lstStyle/>
           <a:p>
-            <a:pPr>
-              <a:defRPr/>
-            </a:pPr>
-            <a:r>
-              <a:rPr lang="en-US" sz="2400" dirty="0" smtClean="0">
+            <a:r>
+              <a:rPr lang="en-US" dirty="0" smtClean="0">
                 <a:solidFill>
-                  <a:schemeClr val="bg2">
-                    <a:lumMod val="75000"/>
-                  </a:schemeClr>
+                  <a:srgbClr val="FF0000"/>
                 </a:solidFill>
               </a:rPr>
-              <a:t>Not really design for Java as a fundamental </a:t>
-            </a:r>
-            <a:r>
-              <a:rPr lang="en-US" sz="2400" dirty="0" err="1" smtClean="0">
-                <a:solidFill>
-                  <a:schemeClr val="bg2">
-                    <a:lumMod val="75000"/>
-                  </a:schemeClr>
-                </a:solidFill>
-              </a:rPr>
-              <a:t>lang</a:t>
-            </a:r>
-            <a:r>
-              <a:rPr lang="en-US" sz="2400" dirty="0" smtClean="0">
-                <a:solidFill>
-                  <a:schemeClr val="bg2">
-                    <a:lumMod val="75000"/>
-                  </a:schemeClr>
-                </a:solidFill>
-              </a:rPr>
-              <a:t> in mind</a:t>
-            </a:r>
-            <a:endParaRPr lang="en-US" sz="2400" dirty="0">
+              <a:t>Simply and internalize the words</a:t>
+            </a:r>
+            <a:endParaRPr lang="en-US" dirty="0">
               <a:solidFill>
-                <a:schemeClr val="bg2">
-                  <a:lumMod val="75000"/>
-                </a:schemeClr>
-              </a:solidFill>
-            </a:endParaRPr>
-          </a:p>
-        </p:txBody>
-      </p:sp>
-      <p:sp>
-        <p:nvSpPr>
-          <p:cNvPr id="7" name="TextBox 6"/>
-          <p:cNvSpPr txBox="1"/>
-          <p:nvPr/>
-        </p:nvSpPr>
-        <p:spPr>
-          <a:xfrm>
-            <a:off x="6096000" y="1447800"/>
-            <a:ext cx="1905000" cy="3231654"/>
-          </a:xfrm>
-          <a:prstGeom prst="rect">
-            <a:avLst/>
-          </a:prstGeom>
-          <a:noFill/>
-        </p:spPr>
-        <p:txBody>
-          <a:bodyPr>
-            <a:spAutoFit/>
-          </a:bodyPr>
-          <a:lstStyle/>
-          <a:p>
-            <a:pPr>
-              <a:defRPr/>
-            </a:pPr>
-            <a:r>
-              <a:rPr lang="en-US" sz="2400" dirty="0" smtClean="0">
-                <a:solidFill>
-                  <a:schemeClr val="bg2">
-                    <a:lumMod val="75000"/>
-                  </a:schemeClr>
-                </a:solidFill>
-              </a:rPr>
-              <a:t>Paddling </a:t>
-            </a:r>
-            <a:r>
-              <a:rPr lang="en-US" sz="2400" dirty="0">
-                <a:solidFill>
-                  <a:schemeClr val="bg2">
-                    <a:lumMod val="75000"/>
-                  </a:schemeClr>
-                </a:solidFill>
-              </a:rPr>
-              <a:t>their ware such as installing their whole stack</a:t>
-            </a:r>
-          </a:p>
-          <a:p>
-            <a:pPr>
-              <a:defRPr/>
-            </a:pPr>
-            <a:r>
-              <a:rPr lang="en-US" sz="2400" dirty="0" smtClean="0">
-                <a:solidFill>
-                  <a:schemeClr val="bg2">
-                    <a:lumMod val="75000"/>
-                  </a:schemeClr>
-                </a:solidFill>
-              </a:rPr>
-              <a:t>Clumsy tutorial</a:t>
-            </a:r>
-            <a:endParaRPr lang="en-US" sz="2400" dirty="0">
-              <a:solidFill>
-                <a:schemeClr val="bg2">
-                  <a:lumMod val="75000"/>
-                </a:schemeClr>
+                <a:srgbClr val="FF0000"/>
               </a:solidFill>
             </a:endParaRPr>
           </a:p>
@@ -3786,7 +3721,7 @@
       </p:grpSpPr>
       <p:sp>
         <p:nvSpPr>
-          <p:cNvPr id="9218" name="Rectangle 2"/>
+          <p:cNvPr id="8194" name="Rectangle 2"/>
           <p:cNvSpPr>
             <a:spLocks noGrp="1" noChangeArrowheads="1"/>
           </p:cNvSpPr>
@@ -3801,7 +3736,31 @@
           <a:p>
             <a:r>
               <a:rPr lang="en-US" dirty="0" smtClean="0"/>
-              <a:t>Scenarios</a:t>
+              <a:t>Akka</a:t>
+            </a:r>
+            <a:r>
+              <a:rPr lang="en-US" dirty="0" smtClean="0"/>
+              <a:t> </a:t>
+            </a:r>
+            <a:r>
+              <a:rPr lang="en-US" dirty="0" smtClean="0"/>
+              <a:t>– </a:t>
+            </a:r>
+            <a:r>
+              <a:rPr lang="en-US" dirty="0" smtClean="0"/>
+              <a:t>T</a:t>
+            </a:r>
+            <a:r>
+              <a:rPr lang="en-US" dirty="0" smtClean="0"/>
+              <a:t>he Good, the Bad and the </a:t>
+            </a:r>
+            <a:r>
+              <a:rPr lang="en-US" dirty="0" smtClean="0"/>
+              <a:t>U</a:t>
+            </a:r>
+            <a:r>
+              <a:rPr lang="en-US" dirty="0" smtClean="0"/>
+              <a:t>gly</a:t>
             </a:r>
             <a:endParaRPr lang="en-US" dirty="0" smtClean="0"/>
           </a:p>
@@ -3816,7 +3775,7 @@
         <p:spPr>
           <a:xfrm>
             <a:off x="685800" y="1524000"/>
-            <a:ext cx="7696200" cy="1384995"/>
+            <a:ext cx="1905000" cy="1569660"/>
           </a:xfrm>
           <a:prstGeom prst="rect">
             <a:avLst/>
@@ -3824,14 +3783,12 @@
           <a:noFill/>
         </p:spPr>
         <p:txBody>
-          <a:bodyPr wrap="square">
+          <a:bodyPr>
             <a:spAutoFit/>
           </a:bodyPr>
           <a:lstStyle/>
           <a:p>
             <a:pPr>
-              <a:buFont typeface="Arial" pitchFamily="34" charset="0"/>
-              <a:buChar char="•"/>
               <a:defRPr/>
             </a:pPr>
             <a:r>
@@ -3842,15 +3799,98 @@
                   </a:schemeClr>
                 </a:solidFill>
               </a:rPr>
-              <a:t> Computational intensive – Monte Carlo Simulation for Option TV </a:t>
-            </a:r>
-          </a:p>
+              <a:t>Mature, good documentation</a:t>
+            </a:r>
+            <a:endParaRPr lang="en-US" sz="2400" dirty="0">
+              <a:solidFill>
+                <a:schemeClr val="bg2">
+                  <a:lumMod val="75000"/>
+                </a:schemeClr>
+              </a:solidFill>
+            </a:endParaRPr>
+          </a:p>
+        </p:txBody>
+      </p:sp>
+      <p:sp>
+        <p:nvSpPr>
+          <p:cNvPr id="5" name="TextBox 4"/>
+          <p:cNvSpPr txBox="1"/>
+          <p:nvPr/>
+        </p:nvSpPr>
+        <p:spPr>
+          <a:xfrm>
+            <a:off x="2895600" y="1600200"/>
+            <a:ext cx="1905000" cy="1938992"/>
+          </a:xfrm>
+          <a:prstGeom prst="rect">
+            <a:avLst/>
+          </a:prstGeom>
+          <a:noFill/>
+        </p:spPr>
+        <p:txBody>
+          <a:bodyPr>
+            <a:spAutoFit/>
+          </a:bodyPr>
+          <a:lstStyle/>
           <a:p>
             <a:pPr>
-              <a:buFont typeface="Arial" pitchFamily="34" charset="0"/>
-              <a:buChar char="•"/>
-              <a:defRPr/>
-            </a:pPr>
+              <a:defRPr/>
+            </a:pPr>
+            <a:r>
+              <a:rPr lang="en-US" sz="2400" dirty="0" smtClean="0">
+                <a:solidFill>
+                  <a:schemeClr val="bg2">
+                    <a:lumMod val="75000"/>
+                  </a:schemeClr>
+                </a:solidFill>
+              </a:rPr>
+              <a:t>Not really design for Java as a fundamental lang in mind</a:t>
+            </a:r>
+            <a:endParaRPr lang="en-US" sz="2400" dirty="0">
+              <a:solidFill>
+                <a:schemeClr val="bg2">
+                  <a:lumMod val="75000"/>
+                </a:schemeClr>
+              </a:solidFill>
+            </a:endParaRPr>
+          </a:p>
+        </p:txBody>
+      </p:sp>
+      <p:sp>
+        <p:nvSpPr>
+          <p:cNvPr id="7" name="TextBox 6"/>
+          <p:cNvSpPr txBox="1"/>
+          <p:nvPr/>
+        </p:nvSpPr>
+        <p:spPr>
+          <a:xfrm>
+            <a:off x="6096000" y="1447800"/>
+            <a:ext cx="1905000" cy="3231654"/>
+          </a:xfrm>
+          <a:prstGeom prst="rect">
+            <a:avLst/>
+          </a:prstGeom>
+          <a:noFill/>
+        </p:spPr>
+        <p:txBody>
+          <a:bodyPr>
+            <a:spAutoFit/>
+          </a:bodyPr>
+          <a:lstStyle/>
+          <a:p>
+            <a:pPr>
+              <a:defRPr/>
+            </a:pPr>
+            <a:r>
+              <a:rPr lang="en-US" sz="2400" dirty="0" smtClean="0">
+                <a:solidFill>
+                  <a:schemeClr val="bg2">
+                    <a:lumMod val="75000"/>
+                  </a:schemeClr>
+                </a:solidFill>
+              </a:rPr>
+              <a:t>Paddling </a:t>
+            </a:r>
             <a:r>
               <a:rPr lang="en-US" sz="2400" dirty="0">
                 <a:solidFill>
@@ -3859,8 +3899,13 @@
                   </a:schemeClr>
                 </a:solidFill>
               </a:rPr>
-              <a:t> </a:t>
-            </a:r>
+              <a:t>their ware such as installing their whole stack</a:t>
+            </a:r>
+          </a:p>
+          <a:p>
+            <a:pPr>
+              <a:defRPr/>
+            </a:pPr>
             <a:r>
               <a:rPr lang="en-US" sz="2400" dirty="0" smtClean="0">
                 <a:solidFill>
@@ -3869,7 +3914,7 @@
                   </a:schemeClr>
                 </a:solidFill>
               </a:rPr>
-              <a:t>I/O Intensive - ???</a:t>
+              <a:t>Clumsy tutorial</a:t>
             </a:r>
             <a:endParaRPr lang="en-US" sz="2400" dirty="0">
               <a:solidFill>
@@ -3933,7 +3978,7 @@
           <a:p>
             <a:r>
               <a:rPr lang="en-US" dirty="0" smtClean="0"/>
-              <a:t>Result discussion</a:t>
+              <a:t>Scenarios</a:t>
             </a:r>
             <a:endParaRPr lang="en-US" dirty="0" smtClean="0"/>
           </a:p>
@@ -3948,7 +3993,7 @@
         <p:spPr>
           <a:xfrm>
             <a:off x="685800" y="1524000"/>
-            <a:ext cx="7696200" cy="1569660"/>
+            <a:ext cx="7696200" cy="1384995"/>
           </a:xfrm>
           <a:prstGeom prst="rect">
             <a:avLst/>
@@ -3974,7 +4019,7 @@
                   </a:schemeClr>
                 </a:solidFill>
               </a:rPr>
-              <a:t> Scale</a:t>
+              <a:t> Computational intensive – Monte Carlo Simulation for Option TV </a:t>
             </a:r>
           </a:p>
           <a:p>
@@ -4001,25 +4046,15 @@
                   </a:schemeClr>
                 </a:solidFill>
               </a:rPr>
-              <a:t>code comparison</a:t>
-            </a:r>
-          </a:p>
-          <a:p>
-            <a:pPr>
-              <a:buFont typeface="Arial" pitchFamily="34" charset="0"/>
-              <a:buChar char="•"/>
-              <a:defRPr/>
-            </a:pPr>
-            <a:r>
-              <a:rPr lang="en-US" sz="2400" dirty="0">
-                <a:solidFill>
-                  <a:schemeClr val="bg2">
-                    <a:lumMod val="75000"/>
-                  </a:schemeClr>
-                </a:solidFill>
-              </a:rPr>
-              <a:t> </a:t>
-            </a:r>
+              <a:t>I/O Intensive - ???</a:t>
+            </a:r>
+            <a:endParaRPr lang="en-US" sz="2400" dirty="0">
+              <a:solidFill>
+                <a:schemeClr val="bg2">
+                  <a:lumMod val="75000"/>
+                </a:schemeClr>
+              </a:solidFill>
+            </a:endParaRPr>
           </a:p>
         </p:txBody>
       </p:sp>
@@ -4060,7 +4095,7 @@
       </p:grpSpPr>
       <p:sp>
         <p:nvSpPr>
-          <p:cNvPr id="10242" name="Rectangle 2"/>
+          <p:cNvPr id="9218" name="Rectangle 2"/>
           <p:cNvSpPr>
             <a:spLocks noGrp="1" noChangeArrowheads="1"/>
           </p:cNvSpPr>
@@ -4075,101 +4110,92 @@
           <a:p>
             <a:r>
               <a:rPr lang="en-US" dirty="0" smtClean="0"/>
-              <a:t>What you need to be aware of?</a:t>
-            </a:r>
-          </a:p>
-        </p:txBody>
-      </p:sp>
-      <p:sp>
-        <p:nvSpPr>
-          <p:cNvPr id="10243" name="Rectangle 3"/>
-          <p:cNvSpPr>
-            <a:spLocks noGrp="1" noChangeArrowheads="1"/>
-          </p:cNvSpPr>
-          <p:nvPr>
-            <p:ph type="body" idx="1"/>
-          </p:nvPr>
-        </p:nvSpPr>
-        <p:spPr/>
-        <p:txBody>
-          <a:bodyPr/>
+              <a:t>Result discussion</a:t>
+            </a:r>
+            <a:endParaRPr lang="en-US" dirty="0" smtClean="0"/>
+          </a:p>
+        </p:txBody>
+      </p:sp>
+      <p:sp>
+        <p:nvSpPr>
+          <p:cNvPr id="6" name="TextBox 5"/>
+          <p:cNvSpPr txBox="1"/>
+          <p:nvPr/>
+        </p:nvSpPr>
+        <p:spPr>
+          <a:xfrm>
+            <a:off x="685800" y="1524000"/>
+            <a:ext cx="7696200" cy="1569660"/>
+          </a:xfrm>
+          <a:prstGeom prst="rect">
+            <a:avLst/>
+          </a:prstGeom>
+          <a:noFill/>
+        </p:spPr>
+        <p:txBody>
+          <a:bodyPr wrap="square">
+            <a:spAutoFit/>
+          </a:bodyPr>
           <a:lstStyle/>
           <a:p>
-            <a:pPr marL="0" indent="0">
-              <a:buFont typeface="Arial" charset="0"/>
+            <a:pPr>
+              <a:buFont typeface="Arial" pitchFamily="34" charset="0"/>
               <a:buChar char="•"/>
-            </a:pPr>
-            <a:r>
-              <a:rPr lang="en-US" sz="2400" dirty="0" smtClean="0"/>
-              <a:t> Test the scalability of different vendors</a:t>
-            </a:r>
-          </a:p>
-          <a:p>
-            <a:pPr marL="0" indent="0">
-              <a:buFont typeface="Arial" charset="0"/>
+              <a:defRPr/>
+            </a:pPr>
+            <a:r>
+              <a:rPr lang="en-US" sz="2400" dirty="0" smtClean="0">
+                <a:solidFill>
+                  <a:schemeClr val="bg2">
+                    <a:lumMod val="75000"/>
+                  </a:schemeClr>
+                </a:solidFill>
+              </a:rPr>
+              <a:t> Scale</a:t>
+            </a:r>
+          </a:p>
+          <a:p>
+            <a:pPr>
+              <a:buFont typeface="Arial" pitchFamily="34" charset="0"/>
               <a:buChar char="•"/>
-            </a:pPr>
-            <a:endParaRPr lang="en-US" sz="2400" dirty="0" smtClean="0"/>
-          </a:p>
-          <a:p>
-            <a:pPr marL="0" indent="0">
-              <a:buFont typeface="Arial" charset="0"/>
+              <a:defRPr/>
+            </a:pPr>
+            <a:r>
+              <a:rPr lang="en-US" sz="2400" dirty="0">
+                <a:solidFill>
+                  <a:schemeClr val="bg2">
+                    <a:lumMod val="75000"/>
+                  </a:schemeClr>
+                </a:solidFill>
+              </a:rPr>
+              <a:t> </a:t>
+            </a:r>
+            <a:r>
+              <a:rPr lang="en-US" sz="2400" dirty="0" smtClean="0">
+                <a:solidFill>
+                  <a:schemeClr val="bg2">
+                    <a:lumMod val="75000"/>
+                  </a:schemeClr>
+                </a:solidFill>
+              </a:rPr>
+              <a:t>code comparison</a:t>
+            </a:r>
+          </a:p>
+          <a:p>
+            <a:pPr>
+              <a:buFont typeface="Arial" pitchFamily="34" charset="0"/>
               <a:buChar char="•"/>
-            </a:pPr>
-            <a:r>
-              <a:rPr lang="en-US" sz="2400" dirty="0" smtClean="0"/>
-              <a:t> What hardware, software and language requirements are</a:t>
-            </a:r>
-          </a:p>
-          <a:p>
-            <a:pPr marL="0" indent="0">
-              <a:buFont typeface="Arial" charset="0"/>
-              <a:buChar char="•"/>
-            </a:pPr>
-            <a:endParaRPr lang="en-US" sz="2400" dirty="0" smtClean="0"/>
-          </a:p>
-          <a:p>
-            <a:pPr marL="0" indent="0">
-              <a:buFont typeface="Arial" charset="0"/>
-              <a:buChar char="•"/>
-            </a:pPr>
-            <a:r>
-              <a:rPr lang="en-US" sz="2400" dirty="0" smtClean="0"/>
-              <a:t> How do they perform in WAN/LAN when someone kick the network cable and separated the cluster?</a:t>
-            </a:r>
-          </a:p>
-          <a:p>
-            <a:pPr marL="0" indent="0">
-              <a:buFont typeface="Arial" charset="0"/>
-              <a:buChar char="•"/>
-            </a:pPr>
-            <a:endParaRPr lang="en-US" sz="2400" dirty="0" smtClean="0"/>
-          </a:p>
-          <a:p>
-            <a:pPr marL="0" indent="0">
-              <a:buFont typeface="Arial" charset="0"/>
-              <a:buChar char="•"/>
-            </a:pPr>
-            <a:r>
-              <a:rPr lang="en-US" sz="2400" dirty="0" smtClean="0"/>
-              <a:t> Requirements for object to be store in the grid</a:t>
-            </a:r>
-          </a:p>
-          <a:p>
-            <a:pPr marL="0" indent="0">
-              <a:buFont typeface="Arial" charset="0"/>
-              <a:buChar char="•"/>
-            </a:pPr>
-            <a:endParaRPr lang="en-US" sz="2400" dirty="0" smtClean="0"/>
-          </a:p>
-          <a:p>
-            <a:pPr marL="0" indent="0">
-              <a:buFont typeface="Arial" charset="0"/>
-              <a:buChar char="•"/>
-            </a:pPr>
-            <a:r>
-              <a:rPr lang="en-US" sz="2400" dirty="0" smtClean="0"/>
-              <a:t> Supporting frameworks such as analytics,  monitoring, transaction management and events processing</a:t>
+              <a:defRPr/>
+            </a:pPr>
+            <a:r>
+              <a:rPr lang="en-US" sz="2400" dirty="0">
+                <a:solidFill>
+                  <a:schemeClr val="bg2">
+                    <a:lumMod val="75000"/>
+                  </a:schemeClr>
+                </a:solidFill>
+              </a:rPr>
+              <a:t> </a:t>
             </a:r>
           </a:p>
         </p:txBody>
@@ -4211,7 +4237,7 @@
       </p:grpSpPr>
       <p:sp>
         <p:nvSpPr>
-          <p:cNvPr id="11266" name="Rectangle 2"/>
+          <p:cNvPr id="10242" name="Rectangle 2"/>
           <p:cNvSpPr>
             <a:spLocks noGrp="1" noChangeArrowheads="1"/>
           </p:cNvSpPr>
@@ -4225,7 +4251,158 @@
           <a:lstStyle/>
           <a:p>
             <a:r>
-              <a:rPr lang="en-US" smtClean="0"/>
+              <a:rPr lang="en-US" dirty="0" smtClean="0"/>
+              <a:t>What you need to be aware of?</a:t>
+            </a:r>
+          </a:p>
+        </p:txBody>
+      </p:sp>
+      <p:sp>
+        <p:nvSpPr>
+          <p:cNvPr id="10243" name="Rectangle 3"/>
+          <p:cNvSpPr>
+            <a:spLocks noGrp="1" noChangeArrowheads="1"/>
+          </p:cNvSpPr>
+          <p:nvPr>
+            <p:ph type="body" idx="1"/>
+          </p:nvPr>
+        </p:nvSpPr>
+        <p:spPr/>
+        <p:txBody>
+          <a:bodyPr/>
+          <a:lstStyle/>
+          <a:p>
+            <a:pPr marL="0" indent="0">
+              <a:buFont typeface="Arial" charset="0"/>
+              <a:buChar char="•"/>
+            </a:pPr>
+            <a:r>
+              <a:rPr lang="en-US" sz="2400" dirty="0" smtClean="0"/>
+              <a:t> Test the scalability of different vendors</a:t>
+            </a:r>
+          </a:p>
+          <a:p>
+            <a:pPr marL="0" indent="0">
+              <a:buFont typeface="Arial" charset="0"/>
+              <a:buChar char="•"/>
+            </a:pPr>
+            <a:endParaRPr lang="en-US" sz="2400" dirty="0" smtClean="0"/>
+          </a:p>
+          <a:p>
+            <a:pPr marL="0" indent="0">
+              <a:buFont typeface="Arial" charset="0"/>
+              <a:buChar char="•"/>
+            </a:pPr>
+            <a:r>
+              <a:rPr lang="en-US" sz="2400" dirty="0" smtClean="0"/>
+              <a:t> What hardware, software and language requirements are</a:t>
+            </a:r>
+          </a:p>
+          <a:p>
+            <a:pPr marL="0" indent="0">
+              <a:buFont typeface="Arial" charset="0"/>
+              <a:buChar char="•"/>
+            </a:pPr>
+            <a:endParaRPr lang="en-US" sz="2400" dirty="0" smtClean="0"/>
+          </a:p>
+          <a:p>
+            <a:pPr marL="0" indent="0">
+              <a:buFont typeface="Arial" charset="0"/>
+              <a:buChar char="•"/>
+            </a:pPr>
+            <a:r>
+              <a:rPr lang="en-US" sz="2400" dirty="0" smtClean="0"/>
+              <a:t> How do they perform in WAN/LAN when someone kick the network cable and separated the cluster?</a:t>
+            </a:r>
+          </a:p>
+          <a:p>
+            <a:pPr marL="0" indent="0">
+              <a:buFont typeface="Arial" charset="0"/>
+              <a:buChar char="•"/>
+            </a:pPr>
+            <a:endParaRPr lang="en-US" sz="2400" dirty="0" smtClean="0"/>
+          </a:p>
+          <a:p>
+            <a:pPr marL="0" indent="0">
+              <a:buFont typeface="Arial" charset="0"/>
+              <a:buChar char="•"/>
+            </a:pPr>
+            <a:r>
+              <a:rPr lang="en-US" sz="2400" dirty="0" smtClean="0"/>
+              <a:t> Requirements for object to be store in the grid</a:t>
+            </a:r>
+          </a:p>
+          <a:p>
+            <a:pPr marL="0" indent="0">
+              <a:buFont typeface="Arial" charset="0"/>
+              <a:buChar char="•"/>
+            </a:pPr>
+            <a:endParaRPr lang="en-US" sz="2400" dirty="0" smtClean="0"/>
+          </a:p>
+          <a:p>
+            <a:pPr marL="0" indent="0">
+              <a:buFont typeface="Arial" charset="0"/>
+              <a:buChar char="•"/>
+            </a:pPr>
+            <a:r>
+              <a:rPr lang="en-US" sz="2400" dirty="0" smtClean="0"/>
+              <a:t> Supporting frameworks such as analytics,  monitoring, transaction management and events processing</a:t>
+            </a:r>
+          </a:p>
+        </p:txBody>
+      </p:sp>
+    </p:spTree>
+  </p:cSld>
+  <p:clrMapOvr>
+    <a:masterClrMapping/>
+  </p:clrMapOvr>
+  <p:transition>
+    <p:wipe dir="r"/>
+  </p:transition>
+  <p:timing>
+    <p:tnLst>
+      <p:par>
+        <p:cTn id="1" dur="indefinite" restart="never" nodeType="tmRoot"/>
+      </p:par>
+    </p:tnLst>
+  </p:timing>
+</p:sld>
+</file>
+
+<file path=ppt/slides/slide15.xml><?xml version="1.0" encoding="utf-8"?>
+<p:sld xmlns:a="http://schemas.openxmlformats.org/drawingml/2006/main" xmlns:r="http://schemas.openxmlformats.org/officeDocument/2006/relationships" xmlns:p="http://schemas.openxmlformats.org/presentationml/2006/main">
+  <p:cSld>
+    <p:spTree>
+      <p:nvGrpSpPr>
+        <p:cNvPr id="1" name=""/>
+        <p:cNvGrpSpPr/>
+        <p:nvPr/>
+      </p:nvGrpSpPr>
+      <p:grpSpPr>
+        <a:xfrm>
+          <a:off x="0" y="0"/>
+          <a:ext cx="0" cy="0"/>
+          <a:chOff x="0" y="0"/>
+          <a:chExt cx="0" cy="0"/>
+        </a:xfrm>
+      </p:grpSpPr>
+      <p:sp>
+        <p:nvSpPr>
+          <p:cNvPr id="11266" name="Rectangle 2"/>
+          <p:cNvSpPr>
+            <a:spLocks noGrp="1" noChangeArrowheads="1"/>
+          </p:cNvSpPr>
+          <p:nvPr>
+            <p:ph type="title"/>
+          </p:nvPr>
+        </p:nvSpPr>
+        <p:spPr/>
+        <p:txBody>
+          <a:bodyPr/>
+          <a:lstStyle/>
+          <a:p>
+            <a:r>
+              <a:rPr lang="en-US" dirty="0" smtClean="0"/>
               <a:t>General Discussion</a:t>
             </a:r>
           </a:p>
@@ -4444,7 +4621,7 @@
           <a:lstStyle/>
           <a:p>
             <a:r>
-              <a:rPr lang="en-US" smtClean="0"/>
+              <a:rPr lang="en-US" dirty="0" smtClean="0"/>
               <a:t>Why do we care?</a:t>
             </a:r>
           </a:p>
@@ -4670,7 +4847,7 @@
         <p:spPr>
           <a:xfrm>
             <a:off x="685800" y="1524000"/>
-            <a:ext cx="1905000" cy="3046988"/>
+            <a:ext cx="8153400" cy="2492990"/>
           </a:xfrm>
           <a:prstGeom prst="rect">
             <a:avLst/>
@@ -4678,7 +4855,7 @@
           <a:noFill/>
         </p:spPr>
         <p:txBody>
-          <a:bodyPr>
+          <a:bodyPr wrap="square">
             <a:spAutoFit/>
           </a:bodyPr>
           <a:lstStyle/>
@@ -4717,16 +4894,6 @@
               <a:defRPr/>
             </a:pPr>
             <a:r>
-              <a:rPr lang="en-US" sz="2400" dirty="0" err="1" smtClean="0">
-                <a:solidFill>
-                  <a:schemeClr val="bg2">
-                    <a:lumMod val="75000"/>
-                  </a:schemeClr>
-                </a:solidFill>
-              </a:rPr>
-              <a:t>Scala</a:t>
-            </a:r>
-            <a:r>
               <a:rPr lang="en-US" sz="2400" dirty="0" smtClean="0">
                 <a:solidFill>
                   <a:schemeClr val="bg2">
@@ -4734,7 +4901,44 @@
                   </a:schemeClr>
                 </a:solidFill>
               </a:rPr>
-              <a:t> and JVM</a:t>
+              <a:t>Scala and JVM</a:t>
+            </a:r>
+          </a:p>
+          <a:p>
+            <a:pPr>
+              <a:defRPr/>
+            </a:pPr>
+            <a:r>
+              <a:rPr lang="en-US" sz="2400" dirty="0">
+                <a:solidFill>
+                  <a:schemeClr val="bg2">
+                    <a:lumMod val="75000"/>
+                  </a:schemeClr>
+                </a:solidFill>
+                <a:hlinkClick r:id="rId2"/>
+              </a:rPr>
+              <a:t>http://</a:t>
+            </a:r>
+            <a:r>
+              <a:rPr lang="en-US" sz="2400" dirty="0" smtClean="0">
+                <a:solidFill>
+                  <a:schemeClr val="bg2">
+                    <a:lumMod val="75000"/>
+                  </a:schemeClr>
+                </a:solidFill>
+                <a:hlinkClick r:id="rId2"/>
+              </a:rPr>
+              <a:t>doc.akka.io/docs/akka/snapshot/general/actors.html</a:t>
+            </a:r>
+            <a:r>
+              <a:rPr lang="en-US" sz="2400" dirty="0" smtClean="0">
+                <a:solidFill>
+                  <a:schemeClr val="bg2">
+                    <a:lumMod val="75000"/>
+                  </a:schemeClr>
+                </a:solidFill>
+              </a:rPr>
+              <a:t> (draw the diagram for this)</a:t>
             </a:r>
             <a:endParaRPr lang="en-US" sz="2400" dirty="0">
               <a:solidFill>
@@ -4798,11 +5002,7 @@
           <a:p>
             <a:r>
               <a:rPr lang="en-US" dirty="0" smtClean="0"/>
-              <a:t>Actor and </a:t>
-            </a:r>
-            <a:r>
-              <a:rPr lang="en-US" dirty="0" err="1" smtClean="0"/>
-              <a:t>Scala</a:t>
+              <a:t>Actor and Scala</a:t>
             </a:r>
             <a:endParaRPr lang="en-US" dirty="0" smtClean="0"/>
           </a:p>
@@ -4918,15 +5118,7 @@
             </a:pPr>
             <a:r>
               <a:rPr lang="en-US" dirty="0" smtClean="0"/>
-              <a:t> Actors are made to be containers for behavior and state, embracing this means to not routinely send behavior within messages (which may be tempting using </a:t>
-            </a:r>
-            <a:r>
-              <a:rPr lang="en-US" dirty="0" err="1" smtClean="0"/>
-              <a:t>Scala</a:t>
-            </a:r>
-            <a:r>
-              <a:rPr lang="en-US" dirty="0" smtClean="0"/>
-              <a:t> closures). One of the risks is to accidentally share mutable state between actors, and this violation of the actor model unfortunately breaks all the properties which make programming in actors such a nice experience.</a:t>
+              <a:t> Actors are made to be containers for behavior and state, embracing this means to not routinely send behavior within messages (which may be tempting using Scala closures). One of the risks is to accidentally share mutable state between actors, and this violation of the actor model unfortunately breaks all the properties which make programming in actors such a nice experience.</a:t>
             </a:r>
           </a:p>
           <a:p>
@@ -4940,15 +5132,7 @@
             </a:r>
             <a:r>
               <a:rPr lang="en-US" dirty="0" smtClean="0"/>
-              <a:t>Top-level actors are the innermost part of your Error Kernel, so create them sparingly and prefer truly hierarchical systems. This has benefits </a:t>
-            </a:r>
-            <a:r>
-              <a:rPr lang="en-US" dirty="0" err="1" smtClean="0"/>
-              <a:t>wrt</a:t>
-            </a:r>
-            <a:r>
-              <a:rPr lang="en-US" dirty="0" smtClean="0"/>
-              <a:t>. fault-handling (both considering the granularity of configuration and the performance) and it also reduces the number of blocking calls made, since the creation of top-level actors involves synchronous messaging.</a:t>
+              <a:t>Top-level actors are the innermost part of your Error Kernel, so create them sparingly and prefer truly hierarchical systems. This has benefits wrt. fault-handling (both considering the granularity of configuration and the performance) and it also reduces the number of blocking calls made, since the creation of top-level actors involves synchronous messaging.</a:t>
             </a:r>
           </a:p>
         </p:txBody>
@@ -5101,15 +5285,7 @@
             </a:pPr>
             <a:r>
               <a:rPr lang="en-US" dirty="0" smtClean="0"/>
-              <a:t> Actors are made to be containers for behavior and state, embracing this means to not routinely send behavior within messages (which may be tempting using </a:t>
-            </a:r>
-            <a:r>
-              <a:rPr lang="en-US" dirty="0" err="1" smtClean="0"/>
-              <a:t>Scala</a:t>
-            </a:r>
-            <a:r>
-              <a:rPr lang="en-US" dirty="0" smtClean="0"/>
-              <a:t> closures). One of the risks is to accidentally share mutable state between actors, and this violation of the actor model unfortunately breaks all the properties which make programming in actors such a nice experience.</a:t>
+              <a:t> Actors are made to be containers for behavior and state, embracing this means to not routinely send behavior within messages (which may be tempting using Scala closures). One of the risks is to accidentally share mutable state between actors, and this violation of the actor model unfortunately breaks all the properties which make programming in actors such a nice experience.</a:t>
             </a:r>
           </a:p>
           <a:p>
@@ -5123,15 +5299,7 @@
             </a:r>
             <a:r>
               <a:rPr lang="en-US" dirty="0" smtClean="0"/>
-              <a:t>Top-level actors are the innermost part of your Error Kernel, so create them sparingly and prefer truly hierarchical systems. This has benefits </a:t>
-            </a:r>
-            <a:r>
-              <a:rPr lang="en-US" dirty="0" err="1" smtClean="0"/>
-              <a:t>wrt</a:t>
-            </a:r>
-            <a:r>
-              <a:rPr lang="en-US" dirty="0" smtClean="0"/>
-              <a:t>. fault-handling (both considering the granularity of configuration and the performance) and it also reduces the number of blocking calls made, since the creation of top-level actors involves synchronous messaging.</a:t>
+              <a:t>Top-level actors are the innermost part of your Error Kernel, so create them sparingly and prefer truly hierarchical systems. This has benefits wrt. fault-handling (both considering the granularity of configuration and the performance) and it also reduces the number of blocking calls made, since the creation of top-level actors involves synchronous messaging.</a:t>
             </a:r>
           </a:p>
         </p:txBody>
@@ -5269,7 +5437,7 @@
               <a:t>, </a:t>
             </a:r>
             <a:r>
-              <a:rPr lang="en-US" i="1" dirty="0" err="1" smtClean="0">
+              <a:rPr lang="en-US" i="1" dirty="0" smtClean="0">
                 <a:hlinkClick r:id="rId3"/>
               </a:rPr>
               <a:t>Scala</a:t>
@@ -5389,12 +5557,8 @@
           <a:lstStyle/>
           <a:p>
             <a:r>
-              <a:rPr lang="en-US" dirty="0" err="1" smtClean="0"/>
-              <a:t>Akka</a:t>
-            </a:r>
-            <a:r>
               <a:rPr lang="en-US" dirty="0" smtClean="0"/>
-              <a:t> provides</a:t>
+              <a:t>Akka provides and guarantee</a:t>
             </a:r>
             <a:endParaRPr lang="en-US" dirty="0" smtClean="0"/>
           </a:p>
@@ -5408,8 +5572,8 @@
         </p:nvSpPr>
         <p:spPr>
           <a:xfrm>
-            <a:off x="609600" y="1295400"/>
-            <a:ext cx="8077200" cy="1246495"/>
+            <a:off x="533400" y="838200"/>
+            <a:ext cx="8077200" cy="6324808"/>
           </a:xfrm>
           <a:prstGeom prst="rect">
             <a:avLst/>
@@ -5436,12 +5600,69 @@
           <a:p>
             <a:r>
               <a:rPr lang="en-US" dirty="0" smtClean="0"/>
-              <a:t>There may be millions of actors within one such system, after all the mantra is to view them as abundant and they weigh in at an overhead of only roughly 300 bytes per </a:t>
-            </a:r>
-            <a:r>
-              <a:rPr lang="en-US" smtClean="0"/>
-              <a:t>instanc</a:t>
-            </a:r>
+              <a:t>There may be millions of actors within one such system, after all the mantra is to view them as abundant and they weigh in at an overhead of only roughly 300 bytes per instance</a:t>
+            </a:r>
+          </a:p>
+          <a:p>
+            <a:r>
+              <a:rPr lang="en-US" dirty="0" smtClean="0"/>
+              <a:t>Threads are share behind the scene</a:t>
+            </a:r>
+          </a:p>
+          <a:p>
+            <a:r>
+              <a:rPr lang="en-US" dirty="0" smtClean="0"/>
+              <a:t>Ensure each actor is only run by one thread per activation (similar to Node.js in the sense that it handle the liveliness of the actor but never block.  A task should be issue to the actor and that’s it.  The framework will schedule the work to ensure cpu utilization)</a:t>
+            </a:r>
+          </a:p>
+          <a:p>
+            <a:r>
+              <a:rPr lang="en-US" dirty="0" smtClean="0"/>
+              <a:t>Order of messages between two end points is ensure but not from other end points</a:t>
+            </a:r>
+          </a:p>
+          <a:p>
+            <a:r>
+              <a:rPr lang="en-US" dirty="0" smtClean="0"/>
+              <a:t>Akka specific!! – cannot scan mailbox and only handle the next dequeue message. Hence order is encapsulated in mailbox strategy alone.</a:t>
+            </a:r>
+          </a:p>
+          <a:p>
+            <a:r>
+              <a:rPr lang="en-US" b="1" dirty="0" smtClean="0"/>
+              <a:t>The actor send rule:</a:t>
+            </a:r>
+            <a:r>
+              <a:rPr lang="en-US" dirty="0" smtClean="0"/>
+              <a:t> the send of the message to an actor happens before the receive of that message by the same actor.</a:t>
+            </a:r>
+          </a:p>
+          <a:p>
+            <a:r>
+              <a:rPr lang="en-US" b="1" dirty="0" smtClean="0"/>
+              <a:t>The actor subsequent processing rule:</a:t>
+            </a:r>
+            <a:r>
+              <a:rPr lang="en-US" dirty="0" smtClean="0"/>
+              <a:t> processing of one message happens before processing of the next message by the same actor.</a:t>
+            </a:r>
+          </a:p>
+          <a:p>
+            <a:r>
+              <a:rPr lang="en-US" dirty="0" smtClean="0"/>
+              <a:t>Note</a:t>
+            </a:r>
+          </a:p>
+          <a:p>
+            <a:r>
+              <a:rPr lang="en-US" dirty="0" smtClean="0"/>
+              <a:t>In layman's terms this means that changes to internal fields of the actor are visible when the next message is processed by that actor. So fields in your actor need not be volatile or equivalent.</a:t>
+            </a:r>
+          </a:p>
+          <a:p>
+            <a:endParaRPr lang="en-US" dirty="0" smtClean="0"/>
+          </a:p>
+          <a:p>
             <a:endParaRPr lang="en-US" dirty="0"/>
           </a:p>
         </p:txBody>
